--- a/001_01_Install_MS_P02_Slave.pptx
+++ b/001_01_Install_MS_P02_Slave.pptx
@@ -5,7 +5,7 @@
     <p:sldMasterId id="2147483648" r:id="rId1"/>
   </p:sldMasterIdLst>
   <p:notesMasterIdLst>
-    <p:notesMasterId r:id="rId32"/>
+    <p:notesMasterId r:id="rId33"/>
   </p:notesMasterIdLst>
   <p:sldIdLst>
     <p:sldId id="256" r:id="rId2"/>
@@ -31,13 +31,14 @@
     <p:sldId id="293" r:id="rId22"/>
     <p:sldId id="279" r:id="rId23"/>
     <p:sldId id="280" r:id="rId24"/>
-    <p:sldId id="296" r:id="rId25"/>
-    <p:sldId id="295" r:id="rId26"/>
-    <p:sldId id="281" r:id="rId27"/>
-    <p:sldId id="282" r:id="rId28"/>
-    <p:sldId id="283" r:id="rId29"/>
-    <p:sldId id="284" r:id="rId30"/>
-    <p:sldId id="259" r:id="rId31"/>
+    <p:sldId id="298" r:id="rId25"/>
+    <p:sldId id="296" r:id="rId26"/>
+    <p:sldId id="295" r:id="rId27"/>
+    <p:sldId id="281" r:id="rId28"/>
+    <p:sldId id="282" r:id="rId29"/>
+    <p:sldId id="283" r:id="rId30"/>
+    <p:sldId id="284" r:id="rId31"/>
+    <p:sldId id="259" r:id="rId32"/>
   </p:sldIdLst>
   <p:sldSz cx="9144000" cy="6858000" type="screen4x3"/>
   <p:notesSz cx="6858000" cy="9144000"/>
@@ -238,7 +239,7 @@
             <a:fld id="{6837EDA8-41C8-4B24-A206-13C08A65A6D7}" type="datetimeFigureOut">
               <a:rPr lang="zh-TW" altLang="en-US" smtClean="0"/>
               <a:pPr/>
-              <a:t>2022/11/16</a:t>
+              <a:t>2022/11/19</a:t>
             </a:fld>
             <a:endParaRPr lang="zh-TW" altLang="en-US"/>
           </a:p>
@@ -691,7 +692,7 @@
             <a:fld id="{8B85509C-BD4F-47BF-9B1E-FC2E949B3621}" type="datetime1">
               <a:rPr lang="zh-TW" altLang="en-US" smtClean="0"/>
               <a:pPr/>
-              <a:t>2022/11/16</a:t>
+              <a:t>2022/11/19</a:t>
             </a:fld>
             <a:endParaRPr lang="zh-TW" altLang="en-US"/>
           </a:p>
@@ -864,7 +865,7 @@
             <a:fld id="{42251B24-F787-4C15-8A0F-7AEC20C70069}" type="datetime1">
               <a:rPr lang="zh-TW" altLang="en-US" smtClean="0"/>
               <a:pPr/>
-              <a:t>2022/11/16</a:t>
+              <a:t>2022/11/19</a:t>
             </a:fld>
             <a:endParaRPr lang="zh-TW" altLang="en-US"/>
           </a:p>
@@ -1039,7 +1040,7 @@
             <a:fld id="{9CA0D33C-CE2B-45F1-B8D4-FFD1F131F331}" type="datetime1">
               <a:rPr lang="zh-TW" altLang="en-US" smtClean="0"/>
               <a:pPr/>
-              <a:t>2022/11/16</a:t>
+              <a:t>2022/11/19</a:t>
             </a:fld>
             <a:endParaRPr lang="zh-TW" altLang="en-US"/>
           </a:p>
@@ -1204,7 +1205,7 @@
             <a:fld id="{50B99440-D9EF-40CC-9B52-F6428D9B2C76}" type="datetime1">
               <a:rPr lang="zh-TW" altLang="en-US" smtClean="0"/>
               <a:pPr/>
-              <a:t>2022/11/16</a:t>
+              <a:t>2022/11/19</a:t>
             </a:fld>
             <a:endParaRPr lang="zh-TW" altLang="en-US"/>
           </a:p>
@@ -1446,7 +1447,7 @@
             <a:fld id="{0871BF52-5C6C-4959-8E27-CECB68D39FE4}" type="datetime1">
               <a:rPr lang="zh-TW" altLang="en-US" smtClean="0"/>
               <a:pPr/>
-              <a:t>2022/11/16</a:t>
+              <a:t>2022/11/19</a:t>
             </a:fld>
             <a:endParaRPr lang="zh-TW" altLang="en-US"/>
           </a:p>
@@ -1728,7 +1729,7 @@
             <a:fld id="{DF863F05-2DD9-4EB1-A827-12FD992DE9DC}" type="datetime1">
               <a:rPr lang="zh-TW" altLang="en-US" smtClean="0"/>
               <a:pPr/>
-              <a:t>2022/11/16</a:t>
+              <a:t>2022/11/19</a:t>
             </a:fld>
             <a:endParaRPr lang="zh-TW" altLang="en-US"/>
           </a:p>
@@ -2144,7 +2145,7 @@
             <a:fld id="{6339AF51-4491-4873-A096-75DB6CE47516}" type="datetime1">
               <a:rPr lang="zh-TW" altLang="en-US" smtClean="0"/>
               <a:pPr/>
-              <a:t>2022/11/16</a:t>
+              <a:t>2022/11/19</a:t>
             </a:fld>
             <a:endParaRPr lang="zh-TW" altLang="en-US"/>
           </a:p>
@@ -2258,7 +2259,7 @@
             <a:fld id="{EE4AD9C8-8B9E-40FF-ABE2-858AC2057BBB}" type="datetime1">
               <a:rPr lang="zh-TW" altLang="en-US" smtClean="0"/>
               <a:pPr/>
-              <a:t>2022/11/16</a:t>
+              <a:t>2022/11/19</a:t>
             </a:fld>
             <a:endParaRPr lang="zh-TW" altLang="en-US"/>
           </a:p>
@@ -2350,7 +2351,7 @@
             <a:fld id="{B4784999-BBBE-4BE4-A8D0-877E7D1D66CC}" type="datetime1">
               <a:rPr lang="zh-TW" altLang="en-US" smtClean="0"/>
               <a:pPr/>
-              <a:t>2022/11/16</a:t>
+              <a:t>2022/11/19</a:t>
             </a:fld>
             <a:endParaRPr lang="zh-TW" altLang="en-US"/>
           </a:p>
@@ -2622,7 +2623,7 @@
             <a:fld id="{E88D17E6-02BD-4944-B9FE-7BFCCBF83D48}" type="datetime1">
               <a:rPr lang="zh-TW" altLang="en-US" smtClean="0"/>
               <a:pPr/>
-              <a:t>2022/11/16</a:t>
+              <a:t>2022/11/19</a:t>
             </a:fld>
             <a:endParaRPr lang="zh-TW" altLang="en-US"/>
           </a:p>
@@ -2871,7 +2872,7 @@
             <a:fld id="{3C13E23D-1FEF-4D78-A3A3-3D6F2BB31954}" type="datetime1">
               <a:rPr lang="zh-TW" altLang="en-US" smtClean="0"/>
               <a:pPr/>
-              <a:t>2022/11/16</a:t>
+              <a:t>2022/11/19</a:t>
             </a:fld>
             <a:endParaRPr lang="zh-TW" altLang="en-US"/>
           </a:p>
@@ -3079,7 +3080,7 @@
             <a:fld id="{06197F35-AD6F-4594-8B50-334492D2E7E8}" type="datetime1">
               <a:rPr lang="zh-TW" altLang="en-US" smtClean="0"/>
               <a:pPr/>
-              <a:t>2022/11/16</a:t>
+              <a:t>2022/11/19</a:t>
             </a:fld>
             <a:endParaRPr lang="zh-TW" altLang="en-US"/>
           </a:p>
@@ -3540,7 +3541,7 @@
             <a:fld id="{C389EDC9-19E3-47AC-9C57-C6A24DEA81AD}" type="datetime1">
               <a:rPr lang="zh-TW" altLang="en-US" smtClean="0"/>
               <a:pPr/>
-              <a:t>2022/11/16</a:t>
+              <a:t>2022/11/19</a:t>
             </a:fld>
             <a:endParaRPr lang="zh-TW" altLang="en-US"/>
           </a:p>
@@ -3684,7 +3685,7 @@
             <a:fld id="{C389EDC9-19E3-47AC-9C57-C6A24DEA81AD}" type="datetime1">
               <a:rPr lang="zh-TW" altLang="en-US" smtClean="0"/>
               <a:pPr/>
-              <a:t>2022/11/16</a:t>
+              <a:t>2022/11/19</a:t>
             </a:fld>
             <a:endParaRPr lang="zh-TW" altLang="en-US"/>
           </a:p>
@@ -3979,7 +3980,7 @@
             <a:fld id="{A4F910E6-8D00-4BAF-8C48-9688E0B449D3}" type="datetime1">
               <a:rPr lang="zh-TW" altLang="en-US" smtClean="0"/>
               <a:pPr/>
-              <a:t>2022/11/16</a:t>
+              <a:t>2022/11/19</a:t>
             </a:fld>
             <a:endParaRPr lang="zh-TW" altLang="en-US"/>
           </a:p>
@@ -4420,10 +4421,10 @@
       </p:grpSpPr>
       <p:pic>
         <p:nvPicPr>
-          <p:cNvPr id="13" name="Picture 12">
+          <p:cNvPr id="10" name="Picture 9">
             <a:extLst>
               <a:ext uri="{FF2B5EF4-FFF2-40B4-BE49-F238E27FC236}">
-                <a16:creationId xmlns:a16="http://schemas.microsoft.com/office/drawing/2014/main" id="{5DF5D126-752F-A1E6-1167-DD7996E14EA1}"/>
+                <a16:creationId xmlns:a16="http://schemas.microsoft.com/office/drawing/2014/main" id="{5D735C76-CA08-F532-9FB4-9F31F053273D}"/>
               </a:ext>
             </a:extLst>
           </p:cNvPr>
@@ -4440,8 +4441,8 @@
         </p:blipFill>
         <p:spPr>
           <a:xfrm>
-            <a:off x="3169543" y="6074018"/>
-            <a:ext cx="2228850" cy="323850"/>
+            <a:off x="1553087" y="4972513"/>
+            <a:ext cx="5162550" cy="1181100"/>
           </a:xfrm>
           <a:prstGeom prst="rect">
             <a:avLst/>
@@ -4633,7 +4634,7 @@
                   <a:srgbClr val="000000"/>
                 </a:solidFill>
               </a:rPr>
-              <a:t>We change the host name to “knode” which stand for Kubernetes Master.</a:t>
+              <a:t>We change the host name to “knode1” which stand for Kubernetes Master.</a:t>
             </a:r>
           </a:p>
           <a:p>
@@ -4782,7 +4783,7 @@
             <a:fld id="{A4F910E6-8D00-4BAF-8C48-9688E0B449D3}" type="datetime1">
               <a:rPr lang="zh-TW" altLang="en-US" smtClean="0"/>
               <a:pPr/>
-              <a:t>2022/11/16</a:t>
+              <a:t>2022/11/19</a:t>
             </a:fld>
             <a:endParaRPr lang="zh-TW" altLang="en-US"/>
           </a:p>
@@ -4913,7 +4914,7 @@
         </p:nvSpPr>
         <p:spPr>
           <a:xfrm>
-            <a:off x="3563888" y="6093295"/>
+            <a:off x="1870720" y="5766502"/>
             <a:ext cx="720080" cy="323850"/>
           </a:xfrm>
           <a:prstGeom prst="rect">
@@ -5020,9 +5021,9 @@
           <p:nvPr/>
         </p:nvCxnSpPr>
         <p:spPr>
-          <a:xfrm>
-            <a:off x="3851920" y="3284984"/>
-            <a:ext cx="72008" cy="2808311"/>
+          <a:xfrm flipH="1">
+            <a:off x="2230760" y="3284984"/>
+            <a:ext cx="1621160" cy="2481518"/>
           </a:xfrm>
           <a:prstGeom prst="straightConnector1">
             <a:avLst/>
@@ -5076,41 +5077,6 @@
           <a:chExt cx="0" cy="0"/>
         </a:xfrm>
       </p:grpSpPr>
-      <p:pic>
-        <p:nvPicPr>
-          <p:cNvPr id="10" name="Picture 9">
-            <a:extLst>
-              <a:ext uri="{FF2B5EF4-FFF2-40B4-BE49-F238E27FC236}">
-                <a16:creationId xmlns:a16="http://schemas.microsoft.com/office/drawing/2014/main" id="{6D0EEC0B-CD04-3489-F631-072F29626CAE}"/>
-              </a:ext>
-            </a:extLst>
-          </p:cNvPr>
-          <p:cNvPicPr>
-            <a:picLocks noChangeAspect="1"/>
-          </p:cNvPicPr>
-          <p:nvPr/>
-        </p:nvPicPr>
-        <p:blipFill>
-          <a:blip r:embed="rId2"/>
-          <a:stretch>
-            <a:fillRect/>
-          </a:stretch>
-        </p:blipFill>
-        <p:spPr>
-          <a:xfrm>
-            <a:off x="1434319" y="3821217"/>
-            <a:ext cx="4947642" cy="3725369"/>
-          </a:xfrm>
-          <a:prstGeom prst="rect">
-            <a:avLst/>
-          </a:prstGeom>
-          <a:ln>
-            <a:solidFill>
-              <a:srgbClr val="C00000"/>
-            </a:solidFill>
-          </a:ln>
-        </p:spPr>
-      </p:pic>
       <p:sp>
         <p:nvSpPr>
           <p:cNvPr id="2" name="標題 1"/>
@@ -5189,7 +5155,7 @@
         <p:spPr>
           <a:xfrm>
             <a:off x="299419" y="1353624"/>
-            <a:ext cx="6416218" cy="2410438"/>
+            <a:ext cx="6416218" cy="1643328"/>
           </a:xfrm>
           <a:ln>
             <a:solidFill>
@@ -5218,7 +5184,7 @@
                 </a:solidFill>
                 <a:effectLst/>
               </a:rPr>
-              <a:t>ifconfig</a:t>
+              <a:t>Knode1 IP Address</a:t>
             </a:r>
           </a:p>
           <a:p>
@@ -5236,13 +5202,15 @@
                   <a:srgbClr val="000000"/>
                 </a:solidFill>
                 <a:effectLst/>
+                <a:hlinkClick r:id="rId2"/>
               </a:rPr>
-              <a:t>Next, we run the “ifconfig” command.</a:t>
-            </a:r>
-            <a:endParaRPr lang="en-US" sz="1800" dirty="0">
+              <a:t>https://www.folkstalk.com/2022/09/find-ip-address-of-virtualbox-vm-with-code-examples.html</a:t>
+            </a:r>
+            <a:endParaRPr lang="en-US" sz="1800" b="0" i="0" dirty="0">
               <a:solidFill>
                 <a:srgbClr val="000000"/>
               </a:solidFill>
+              <a:effectLst/>
             </a:endParaRPr>
           </a:p>
           <a:p>
@@ -5255,12 +5223,21 @@
               <a:buChar char="u"/>
             </a:pPr>
             <a:r>
+              <a:rPr lang="en-US" sz="1800" b="0" i="0" dirty="0">
+                <a:solidFill>
+                  <a:srgbClr val="000000"/>
+                </a:solidFill>
+                <a:effectLst/>
+              </a:rPr>
+              <a:t>Settings &gt; Networ</a:t>
+            </a:r>
+            <a:r>
               <a:rPr lang="en-US" sz="1800" dirty="0">
                 <a:solidFill>
                   <a:srgbClr val="000000"/>
                 </a:solidFill>
               </a:rPr>
-              <a:t>&gt; mkdir knode</a:t>
+              <a:t>k &gt; Wired </a:t>
             </a:r>
           </a:p>
           <a:p>
@@ -5278,61 +5255,7 @@
                   <a:srgbClr val="000000"/>
                 </a:solidFill>
               </a:rPr>
-              <a:t>&gt; cd knode</a:t>
-            </a:r>
-          </a:p>
-          <a:p>
-            <a:pPr marL="342900" indent="-342900" algn="l">
-              <a:buClr>
-                <a:srgbClr val="0070C0"/>
-              </a:buClr>
-              <a:buSzPct val="80000"/>
-              <a:buFont typeface="Wingdings" pitchFamily="2" charset="2"/>
-              <a:buChar char="u"/>
-            </a:pPr>
-            <a:r>
-              <a:rPr lang="en-US" sz="1800" dirty="0">
-                <a:solidFill>
-                  <a:srgbClr val="000000"/>
-                </a:solidFill>
-              </a:rPr>
-              <a:t>&gt; ifconfig &gt; ifconfig.txt</a:t>
-            </a:r>
-          </a:p>
-          <a:p>
-            <a:pPr marL="342900" indent="-342900" algn="l">
-              <a:buClr>
-                <a:srgbClr val="0070C0"/>
-              </a:buClr>
-              <a:buSzPct val="80000"/>
-              <a:buFont typeface="Wingdings" pitchFamily="2" charset="2"/>
-              <a:buChar char="u"/>
-            </a:pPr>
-            <a:r>
-              <a:rPr lang="en-US" sz="1800" dirty="0">
-                <a:solidFill>
-                  <a:srgbClr val="000000"/>
-                </a:solidFill>
-              </a:rPr>
-              <a:t>&gt; vi ifconfig.txt</a:t>
-            </a:r>
-          </a:p>
-          <a:p>
-            <a:pPr marL="342900" indent="-342900" algn="l">
-              <a:buClr>
-                <a:srgbClr val="0070C0"/>
-              </a:buClr>
-              <a:buSzPct val="80000"/>
-              <a:buFont typeface="Wingdings" pitchFamily="2" charset="2"/>
-              <a:buChar char="u"/>
-            </a:pPr>
-            <a:r>
-              <a:rPr lang="en-US" sz="1800" dirty="0">
-                <a:solidFill>
-                  <a:srgbClr val="000000"/>
-                </a:solidFill>
-              </a:rPr>
-              <a:t>The video's IP address is 192.168.49.1.</a:t>
+              <a:t>IP address: 10.0.2.15.</a:t>
             </a:r>
           </a:p>
         </p:txBody>
@@ -5430,7 +5353,7 @@
             <a:fld id="{A4F910E6-8D00-4BAF-8C48-9688E0B449D3}" type="datetime1">
               <a:rPr lang="zh-TW" altLang="en-US" smtClean="0"/>
               <a:pPr/>
-              <a:t>2022/11/16</a:t>
+              <a:t>2022/11/19</a:t>
             </a:fld>
             <a:endParaRPr lang="zh-TW" altLang="en-US"/>
           </a:p>
@@ -5547,205 +5470,41 @@
           </a:p>
         </p:txBody>
       </p:sp>
-      <p:sp>
-        <p:nvSpPr>
-          <p:cNvPr id="12" name="Rectangle 11">
+      <p:pic>
+        <p:nvPicPr>
+          <p:cNvPr id="11" name="Picture 10">
             <a:extLst>
               <a:ext uri="{FF2B5EF4-FFF2-40B4-BE49-F238E27FC236}">
-                <a16:creationId xmlns:a16="http://schemas.microsoft.com/office/drawing/2014/main" id="{72987C14-56EC-2D29-316F-74196CB480FC}"/>
+                <a16:creationId xmlns:a16="http://schemas.microsoft.com/office/drawing/2014/main" id="{6A910BB5-ED3C-3129-1CF4-80FBA251DB52}"/>
               </a:ext>
             </a:extLst>
           </p:cNvPr>
-          <p:cNvSpPr/>
+          <p:cNvPicPr>
+            <a:picLocks noChangeAspect="1"/>
+          </p:cNvPicPr>
           <p:nvPr/>
-        </p:nvSpPr>
+        </p:nvPicPr>
+        <p:blipFill>
+          <a:blip r:embed="rId4"/>
+          <a:stretch>
+            <a:fillRect/>
+          </a:stretch>
+        </p:blipFill>
         <p:spPr>
           <a:xfrm>
-            <a:off x="3015501" y="3297543"/>
-            <a:ext cx="1498277" cy="323897"/>
+            <a:off x="1547664" y="3129726"/>
+            <a:ext cx="4843045" cy="3226624"/>
           </a:xfrm>
           <a:prstGeom prst="rect">
             <a:avLst/>
           </a:prstGeom>
-          <a:noFill/>
           <a:ln>
             <a:solidFill>
               <a:srgbClr val="C00000"/>
             </a:solidFill>
           </a:ln>
         </p:spPr>
-        <p:style>
-          <a:lnRef idx="2">
-            <a:schemeClr val="accent1">
-              <a:shade val="50000"/>
-            </a:schemeClr>
-          </a:lnRef>
-          <a:fillRef idx="1">
-            <a:schemeClr val="accent1"/>
-          </a:fillRef>
-          <a:effectRef idx="0">
-            <a:schemeClr val="accent1"/>
-          </a:effectRef>
-          <a:fontRef idx="minor">
-            <a:schemeClr val="lt1"/>
-          </a:fontRef>
-        </p:style>
-        <p:txBody>
-          <a:bodyPr rtlCol="0" anchor="ctr"/>
-          <a:lstStyle/>
-          <a:p>
-            <a:pPr algn="ctr"/>
-            <a:endParaRPr lang="en-US"/>
-          </a:p>
-        </p:txBody>
-      </p:sp>
-      <p:cxnSp>
-        <p:nvCxnSpPr>
-          <p:cNvPr id="16" name="Straight Arrow Connector 15">
-            <a:extLst>
-              <a:ext uri="{FF2B5EF4-FFF2-40B4-BE49-F238E27FC236}">
-                <a16:creationId xmlns:a16="http://schemas.microsoft.com/office/drawing/2014/main" id="{10BB76E8-7E8B-A028-8E6C-1E90EDFEEFEC}"/>
-              </a:ext>
-            </a:extLst>
-          </p:cNvPr>
-          <p:cNvCxnSpPr>
-            <a:cxnSpLocks/>
-            <a:stCxn id="12" idx="2"/>
-            <a:endCxn id="14" idx="0"/>
-          </p:cNvCxnSpPr>
-          <p:nvPr/>
-        </p:nvCxnSpPr>
-        <p:spPr>
-          <a:xfrm flipH="1">
-            <a:off x="2591780" y="3621440"/>
-            <a:ext cx="1172860" cy="371502"/>
-          </a:xfrm>
-          <a:prstGeom prst="straightConnector1">
-            <a:avLst/>
-          </a:prstGeom>
-          <a:ln>
-            <a:tailEnd type="triangle"/>
-          </a:ln>
-        </p:spPr>
-        <p:style>
-          <a:lnRef idx="1">
-            <a:schemeClr val="accent2"/>
-          </a:lnRef>
-          <a:fillRef idx="0">
-            <a:schemeClr val="accent2"/>
-          </a:fillRef>
-          <a:effectRef idx="0">
-            <a:schemeClr val="accent2"/>
-          </a:effectRef>
-          <a:fontRef idx="minor">
-            <a:schemeClr val="tx1"/>
-          </a:fontRef>
-        </p:style>
-      </p:cxnSp>
-      <p:sp>
-        <p:nvSpPr>
-          <p:cNvPr id="14" name="Rectangle 13">
-            <a:extLst>
-              <a:ext uri="{FF2B5EF4-FFF2-40B4-BE49-F238E27FC236}">
-                <a16:creationId xmlns:a16="http://schemas.microsoft.com/office/drawing/2014/main" id="{0D2FFC5B-638C-DAEC-E395-ED9A147222EC}"/>
-              </a:ext>
-            </a:extLst>
-          </p:cNvPr>
-          <p:cNvSpPr/>
-          <p:nvPr/>
-        </p:nvSpPr>
-        <p:spPr>
-          <a:xfrm>
-            <a:off x="1979712" y="3992942"/>
-            <a:ext cx="1224135" cy="156138"/>
-          </a:xfrm>
-          <a:prstGeom prst="rect">
-            <a:avLst/>
-          </a:prstGeom>
-          <a:noFill/>
-          <a:ln>
-            <a:solidFill>
-              <a:srgbClr val="C00000"/>
-            </a:solidFill>
-          </a:ln>
-        </p:spPr>
-        <p:style>
-          <a:lnRef idx="2">
-            <a:schemeClr val="accent1">
-              <a:shade val="50000"/>
-            </a:schemeClr>
-          </a:lnRef>
-          <a:fillRef idx="1">
-            <a:schemeClr val="accent1"/>
-          </a:fillRef>
-          <a:effectRef idx="0">
-            <a:schemeClr val="accent1"/>
-          </a:effectRef>
-          <a:fontRef idx="minor">
-            <a:schemeClr val="lt1"/>
-          </a:fontRef>
-        </p:style>
-        <p:txBody>
-          <a:bodyPr rtlCol="0" anchor="ctr"/>
-          <a:lstStyle/>
-          <a:p>
-            <a:pPr algn="ctr"/>
-            <a:endParaRPr lang="en-US"/>
-          </a:p>
-        </p:txBody>
-      </p:sp>
-      <p:sp>
-        <p:nvSpPr>
-          <p:cNvPr id="26" name="Rectangle 25">
-            <a:extLst>
-              <a:ext uri="{FF2B5EF4-FFF2-40B4-BE49-F238E27FC236}">
-                <a16:creationId xmlns:a16="http://schemas.microsoft.com/office/drawing/2014/main" id="{8F4427C4-85E9-49FB-6BF4-642695EBD16E}"/>
-              </a:ext>
-            </a:extLst>
-          </p:cNvPr>
-          <p:cNvSpPr/>
-          <p:nvPr/>
-        </p:nvSpPr>
-        <p:spPr>
-          <a:xfrm>
-            <a:off x="4663989" y="764704"/>
-            <a:ext cx="1276163" cy="228881"/>
-          </a:xfrm>
-          <a:prstGeom prst="rect">
-            <a:avLst/>
-          </a:prstGeom>
-          <a:noFill/>
-          <a:ln>
-            <a:solidFill>
-              <a:srgbClr val="C00000"/>
-            </a:solidFill>
-          </a:ln>
-        </p:spPr>
-        <p:style>
-          <a:lnRef idx="2">
-            <a:schemeClr val="accent1">
-              <a:shade val="50000"/>
-            </a:schemeClr>
-          </a:lnRef>
-          <a:fillRef idx="1">
-            <a:schemeClr val="accent1"/>
-          </a:fillRef>
-          <a:effectRef idx="0">
-            <a:schemeClr val="accent1"/>
-          </a:effectRef>
-          <a:fontRef idx="minor">
-            <a:schemeClr val="lt1"/>
-          </a:fontRef>
-        </p:style>
-        <p:txBody>
-          <a:bodyPr rtlCol="0" anchor="ctr"/>
-          <a:lstStyle/>
-          <a:p>
-            <a:pPr algn="ctr"/>
-            <a:endParaRPr lang="en-US"/>
-          </a:p>
-        </p:txBody>
-      </p:sp>
+      </p:pic>
     </p:spTree>
     <p:extLst>
       <p:ext uri="{BB962C8B-B14F-4D97-AF65-F5344CB8AC3E}">
@@ -5854,7 +5613,7 @@
         <p:spPr>
           <a:xfrm>
             <a:off x="299419" y="1353623"/>
-            <a:ext cx="3987854" cy="5002727"/>
+            <a:ext cx="3987854" cy="4019593"/>
           </a:xfrm>
           <a:ln>
             <a:solidFill>
@@ -5883,7 +5642,24 @@
                 </a:solidFill>
                 <a:effectLst/>
               </a:rPr>
-              <a:t>ifconfig</a:t>
+              <a:t>Ifconfig: </a:t>
+            </a:r>
+            <a:r>
+              <a:rPr lang="en-US" sz="1800" b="1" dirty="0">
+                <a:solidFill>
+                  <a:srgbClr val="C00000"/>
+                </a:solidFill>
+              </a:rPr>
+              <a:t>Guest </a:t>
+            </a:r>
+            <a:r>
+              <a:rPr lang="en-US" sz="1800" b="1" i="0" dirty="0">
+                <a:solidFill>
+                  <a:srgbClr val="C00000"/>
+                </a:solidFill>
+                <a:effectLst/>
+              </a:rPr>
+              <a:t>Virtual Machine</a:t>
             </a:r>
           </a:p>
           <a:p>
@@ -5955,7 +5731,7 @@
                   <a:srgbClr val="000000"/>
                 </a:solidFill>
               </a:rPr>
-              <a:t>enp: Wired Ethernet Network PCI device in LAN.</a:t>
+              <a:t>enp0s3: Wired Ethernet Network PCI device in LAN.</a:t>
             </a:r>
           </a:p>
           <a:p>
@@ -5968,13 +5744,28 @@
               <a:buChar char="u"/>
             </a:pPr>
             <a:r>
-              <a:rPr lang="en-US" sz="1800" dirty="0">
+              <a:rPr lang="en-US" sz="1800" b="1" i="0" dirty="0">
+                <a:solidFill>
+                  <a:srgbClr val="C00000"/>
+                </a:solidFill>
+                <a:effectLst/>
+              </a:rPr>
+              <a:t>Ipconfig</a:t>
+            </a:r>
+            <a:r>
+              <a:rPr lang="en-US" sz="1800" b="1" i="0" dirty="0">
                 <a:solidFill>
                   <a:srgbClr val="000000"/>
                 </a:solidFill>
+                <a:effectLst/>
               </a:rPr>
-              <a:t>wlp: Wireless network PCI device for  Linux.</a:t>
-            </a:r>
+              <a:t>: Host Machine</a:t>
+            </a:r>
+            <a:endParaRPr lang="en-US" sz="1800" dirty="0">
+              <a:solidFill>
+                <a:srgbClr val="000000"/>
+              </a:solidFill>
+            </a:endParaRPr>
           </a:p>
           <a:p>
             <a:pPr marL="342900" indent="-342900" algn="l">
@@ -5991,79 +5782,7 @@
                   <a:srgbClr val="000000"/>
                 </a:solidFill>
               </a:rPr>
-              <a:t>We have two IP-addresses:</a:t>
-            </a:r>
-          </a:p>
-          <a:p>
-            <a:pPr marL="342900" indent="-342900" algn="l">
-              <a:buClr>
-                <a:srgbClr val="0070C0"/>
-              </a:buClr>
-              <a:buSzPct val="80000"/>
-              <a:buFont typeface="Wingdings" pitchFamily="2" charset="2"/>
-              <a:buChar char="u"/>
-            </a:pPr>
-            <a:r>
-              <a:rPr lang="en-US" sz="1800" dirty="0">
-                <a:solidFill>
-                  <a:srgbClr val="000000"/>
-                </a:solidFill>
-              </a:rPr>
-              <a:t>br-xxx bridge: 192.168.49.1</a:t>
-            </a:r>
-          </a:p>
-          <a:p>
-            <a:pPr marL="342900" indent="-342900" algn="l">
-              <a:buClr>
-                <a:srgbClr val="0070C0"/>
-              </a:buClr>
-              <a:buSzPct val="80000"/>
-              <a:buFont typeface="Wingdings" pitchFamily="2" charset="2"/>
-              <a:buChar char="u"/>
-            </a:pPr>
-            <a:r>
-              <a:rPr lang="en-US" sz="1800" dirty="0">
-                <a:solidFill>
-                  <a:srgbClr val="000000"/>
-                </a:solidFill>
-              </a:rPr>
-              <a:t>wlpxxx wireless PCI: 192.168.1.3</a:t>
-            </a:r>
-          </a:p>
-          <a:p>
-            <a:pPr marL="342900" indent="-342900" algn="l">
-              <a:buClr>
-                <a:srgbClr val="0070C0"/>
-              </a:buClr>
-              <a:buSzPct val="80000"/>
-              <a:buFont typeface="Wingdings" pitchFamily="2" charset="2"/>
-              <a:buChar char="u"/>
-            </a:pPr>
-            <a:r>
-              <a:rPr lang="en-US" sz="1800" dirty="0">
-                <a:solidFill>
-                  <a:srgbClr val="000000"/>
-                </a:solidFill>
-              </a:rPr>
-              <a:t>Bridge is used in Layer 2 (data frame). enp/wlp are used in layer 3 router. All IPs can be used.</a:t>
-            </a:r>
-          </a:p>
-          <a:p>
-            <a:pPr marL="342900" indent="-342900" algn="l">
-              <a:buClr>
-                <a:srgbClr val="0070C0"/>
-              </a:buClr>
-              <a:buSzPct val="80000"/>
-              <a:buFont typeface="Wingdings" pitchFamily="2" charset="2"/>
-              <a:buChar char="u"/>
-            </a:pPr>
-            <a:r>
-              <a:rPr lang="en-US" sz="1800" dirty="0">
-                <a:solidFill>
-                  <a:srgbClr val="000000"/>
-                </a:solidFill>
-              </a:rPr>
-              <a:t>We can use wlpxxx: 192.168.1.3</a:t>
+              <a:t>Guest Virtual Machine (knode1) uses enp0s3 and IP 10.0.2.15 to communicate with Window Host machine which has IP address 192.168.1.2.</a:t>
             </a:r>
           </a:p>
         </p:txBody>
@@ -6161,7 +5880,7 @@
             <a:fld id="{A4F910E6-8D00-4BAF-8C48-9688E0B449D3}" type="datetime1">
               <a:rPr lang="zh-TW" altLang="en-US" smtClean="0"/>
               <a:pPr/>
-              <a:t>2022/11/16</a:t>
+              <a:t>2022/11/19</a:t>
             </a:fld>
             <a:endParaRPr lang="zh-TW" altLang="en-US"/>
           </a:p>
@@ -6193,10 +5912,10 @@
       </p:sp>
       <p:pic>
         <p:nvPicPr>
-          <p:cNvPr id="8" name="Picture 7">
+          <p:cNvPr id="11" name="Picture 10">
             <a:extLst>
               <a:ext uri="{FF2B5EF4-FFF2-40B4-BE49-F238E27FC236}">
-                <a16:creationId xmlns:a16="http://schemas.microsoft.com/office/drawing/2014/main" id="{06A38CFF-92BF-20F3-BE3C-D5C34021A66E}"/>
+                <a16:creationId xmlns:a16="http://schemas.microsoft.com/office/drawing/2014/main" id="{7B848486-BA4B-E0E7-A040-BB6BBDF264BD}"/>
               </a:ext>
             </a:extLst>
           </p:cNvPr>
@@ -6213,166 +5932,14 @@
         </p:blipFill>
         <p:spPr>
           <a:xfrm>
-            <a:off x="6867525" y="0"/>
-            <a:ext cx="2276475" cy="4953000"/>
+            <a:off x="4866668" y="-80003"/>
+            <a:ext cx="3987854" cy="3256557"/>
           </a:xfrm>
           <a:prstGeom prst="rect">
             <a:avLst/>
           </a:prstGeom>
-          <a:ln>
-            <a:solidFill>
-              <a:srgbClr val="C00000"/>
-            </a:solidFill>
-          </a:ln>
         </p:spPr>
       </p:pic>
-      <p:sp>
-        <p:nvSpPr>
-          <p:cNvPr id="7" name="Rectangle 6">
-            <a:extLst>
-              <a:ext uri="{FF2B5EF4-FFF2-40B4-BE49-F238E27FC236}">
-                <a16:creationId xmlns:a16="http://schemas.microsoft.com/office/drawing/2014/main" id="{96789FE7-8825-D061-D67D-521C29C38C54}"/>
-              </a:ext>
-            </a:extLst>
-          </p:cNvPr>
-          <p:cNvSpPr/>
-          <p:nvPr/>
-        </p:nvSpPr>
-        <p:spPr>
-          <a:xfrm>
-            <a:off x="6879776" y="2755950"/>
-            <a:ext cx="1440160" cy="817066"/>
-          </a:xfrm>
-          <a:prstGeom prst="rect">
-            <a:avLst/>
-          </a:prstGeom>
-          <a:noFill/>
-          <a:ln>
-            <a:solidFill>
-              <a:srgbClr val="C00000"/>
-            </a:solidFill>
-          </a:ln>
-        </p:spPr>
-        <p:style>
-          <a:lnRef idx="2">
-            <a:schemeClr val="accent1">
-              <a:shade val="50000"/>
-            </a:schemeClr>
-          </a:lnRef>
-          <a:fillRef idx="1">
-            <a:schemeClr val="accent1"/>
-          </a:fillRef>
-          <a:effectRef idx="0">
-            <a:schemeClr val="accent1"/>
-          </a:effectRef>
-          <a:fontRef idx="minor">
-            <a:schemeClr val="lt1"/>
-          </a:fontRef>
-        </p:style>
-        <p:txBody>
-          <a:bodyPr rtlCol="0" anchor="ctr"/>
-          <a:lstStyle/>
-          <a:p>
-            <a:pPr algn="ctr"/>
-            <a:endParaRPr lang="en-US"/>
-          </a:p>
-        </p:txBody>
-      </p:sp>
-      <p:sp>
-        <p:nvSpPr>
-          <p:cNvPr id="18" name="Rectangle 17">
-            <a:extLst>
-              <a:ext uri="{FF2B5EF4-FFF2-40B4-BE49-F238E27FC236}">
-                <a16:creationId xmlns:a16="http://schemas.microsoft.com/office/drawing/2014/main" id="{CF8DE8F5-8CA6-4F8B-C1CD-252BDA7C6192}"/>
-              </a:ext>
-            </a:extLst>
-          </p:cNvPr>
-          <p:cNvSpPr/>
-          <p:nvPr/>
-        </p:nvSpPr>
-        <p:spPr>
-          <a:xfrm>
-            <a:off x="618629" y="2653344"/>
-            <a:ext cx="331753" cy="298397"/>
-          </a:xfrm>
-          <a:prstGeom prst="rect">
-            <a:avLst/>
-          </a:prstGeom>
-          <a:noFill/>
-          <a:ln>
-            <a:solidFill>
-              <a:srgbClr val="C00000"/>
-            </a:solidFill>
-          </a:ln>
-        </p:spPr>
-        <p:style>
-          <a:lnRef idx="2">
-            <a:schemeClr val="accent1">
-              <a:shade val="50000"/>
-            </a:schemeClr>
-          </a:lnRef>
-          <a:fillRef idx="1">
-            <a:schemeClr val="accent1"/>
-          </a:fillRef>
-          <a:effectRef idx="0">
-            <a:schemeClr val="accent1"/>
-          </a:effectRef>
-          <a:fontRef idx="minor">
-            <a:schemeClr val="lt1"/>
-          </a:fontRef>
-        </p:style>
-        <p:txBody>
-          <a:bodyPr rtlCol="0" anchor="ctr"/>
-          <a:lstStyle/>
-          <a:p>
-            <a:pPr algn="ctr"/>
-            <a:endParaRPr lang="en-US"/>
-          </a:p>
-        </p:txBody>
-      </p:sp>
-      <p:cxnSp>
-        <p:nvCxnSpPr>
-          <p:cNvPr id="21" name="Straight Arrow Connector 20">
-            <a:extLst>
-              <a:ext uri="{FF2B5EF4-FFF2-40B4-BE49-F238E27FC236}">
-                <a16:creationId xmlns:a16="http://schemas.microsoft.com/office/drawing/2014/main" id="{E3BE8702-E4E6-9F35-510C-21114C4E5F42}"/>
-              </a:ext>
-            </a:extLst>
-          </p:cNvPr>
-          <p:cNvCxnSpPr>
-            <a:cxnSpLocks/>
-            <a:stCxn id="18" idx="3"/>
-            <a:endCxn id="26" idx="1"/>
-          </p:cNvCxnSpPr>
-          <p:nvPr/>
-        </p:nvCxnSpPr>
-        <p:spPr>
-          <a:xfrm flipV="1">
-            <a:off x="950382" y="1516989"/>
-            <a:ext cx="3350457" cy="1285554"/>
-          </a:xfrm>
-          <a:prstGeom prst="straightConnector1">
-            <a:avLst/>
-          </a:prstGeom>
-          <a:ln>
-            <a:tailEnd type="triangle"/>
-          </a:ln>
-        </p:spPr>
-        <p:style>
-          <a:lnRef idx="1">
-            <a:schemeClr val="accent2"/>
-          </a:lnRef>
-          <a:fillRef idx="0">
-            <a:schemeClr val="accent2"/>
-          </a:fillRef>
-          <a:effectRef idx="0">
-            <a:schemeClr val="accent2"/>
-          </a:effectRef>
-          <a:fontRef idx="minor">
-            <a:schemeClr val="tx1"/>
-          </a:fontRef>
-        </p:style>
-      </p:cxnSp>
       <p:sp>
         <p:nvSpPr>
           <p:cNvPr id="33" name="Rectangle 32">
@@ -6387,7 +5954,7 @@
         </p:nvSpPr>
         <p:spPr>
           <a:xfrm>
-            <a:off x="4287273" y="3573016"/>
+            <a:off x="4866668" y="1790609"/>
             <a:ext cx="572759" cy="360040"/>
           </a:xfrm>
           <a:prstGeom prst="rect">
@@ -6427,10 +5994,10 @@
       </p:sp>
       <p:pic>
         <p:nvPicPr>
-          <p:cNvPr id="10" name="Picture 9">
+          <p:cNvPr id="15" name="Picture 14">
             <a:extLst>
               <a:ext uri="{FF2B5EF4-FFF2-40B4-BE49-F238E27FC236}">
-                <a16:creationId xmlns:a16="http://schemas.microsoft.com/office/drawing/2014/main" id="{6370E674-353C-B3F7-AB24-B259BCB025AD}"/>
+                <a16:creationId xmlns:a16="http://schemas.microsoft.com/office/drawing/2014/main" id="{174EDE67-ED32-150F-3DF7-3454849571E2}"/>
               </a:ext>
             </a:extLst>
           </p:cNvPr>
@@ -6447,25 +6014,20 @@
         </p:blipFill>
         <p:spPr>
           <a:xfrm>
-            <a:off x="4287273" y="1281306"/>
-            <a:ext cx="6486525" cy="4829175"/>
+            <a:off x="4856729" y="3214054"/>
+            <a:ext cx="4089345" cy="3600402"/>
           </a:xfrm>
           <a:prstGeom prst="rect">
             <a:avLst/>
           </a:prstGeom>
-          <a:ln>
-            <a:solidFill>
-              <a:srgbClr val="C00000"/>
-            </a:solidFill>
-          </a:ln>
         </p:spPr>
       </p:pic>
       <p:sp>
         <p:nvSpPr>
-          <p:cNvPr id="26" name="Rectangle 25">
+          <p:cNvPr id="19" name="Rectangle 18">
             <a:extLst>
               <a:ext uri="{FF2B5EF4-FFF2-40B4-BE49-F238E27FC236}">
-                <a16:creationId xmlns:a16="http://schemas.microsoft.com/office/drawing/2014/main" id="{8F4427C4-85E9-49FB-6BF4-642695EBD16E}"/>
+                <a16:creationId xmlns:a16="http://schemas.microsoft.com/office/drawing/2014/main" id="{3A1A91C6-BCA4-0281-CF70-AD9D3462F3DF}"/>
               </a:ext>
             </a:extLst>
           </p:cNvPr>
@@ -6473,9 +6035,9 @@
           <p:nvPr/>
         </p:nvSpPr>
         <p:spPr>
-          <a:xfrm flipV="1">
-            <a:off x="4300839" y="1392634"/>
-            <a:ext cx="271161" cy="248710"/>
+          <a:xfrm>
+            <a:off x="5439427" y="5517232"/>
+            <a:ext cx="3165021" cy="360040"/>
           </a:xfrm>
           <a:prstGeom prst="rect">
             <a:avLst/>
@@ -6789,7 +6351,7 @@
             <a:fld id="{A4F910E6-8D00-4BAF-8C48-9688E0B449D3}" type="datetime1">
               <a:rPr lang="zh-TW" altLang="en-US" smtClean="0"/>
               <a:pPr/>
-              <a:t>2022/11/16</a:t>
+              <a:t>2022/11/19</a:t>
             </a:fld>
             <a:endParaRPr lang="zh-TW" altLang="en-US"/>
           </a:p>
@@ -7051,7 +6613,7 @@
         <p:spPr>
           <a:xfrm>
             <a:off x="297396" y="1262771"/>
-            <a:ext cx="3986572" cy="5093579"/>
+            <a:ext cx="5570748" cy="5093579"/>
           </a:xfrm>
           <a:ln>
             <a:solidFill>
@@ -7080,7 +6642,7 @@
                 </a:solidFill>
                 <a:effectLst/>
               </a:rPr>
-              <a:t>/etc/network/interface</a:t>
+              <a:t>/etc/netplan/knode1.yaml</a:t>
             </a:r>
           </a:p>
           <a:p>
@@ -7122,7 +6684,7 @@
                   <a:srgbClr val="000000"/>
                 </a:solidFill>
               </a:rPr>
-              <a:t>&gt; sudo vi /etc/netplan/master.yaml</a:t>
+              <a:t>&gt; sudo vi /etc/netplan/knode1.yaml</a:t>
             </a:r>
           </a:p>
           <a:p>
@@ -7176,7 +6738,7 @@
                   <a:srgbClr val="000000"/>
                 </a:solidFill>
               </a:rPr>
-              <a:t>&gt;&gt;      wlp2s0:</a:t>
+              <a:t>&gt;&gt;      enp0s3:</a:t>
             </a:r>
           </a:p>
           <a:p>
@@ -7230,7 +6792,7 @@
                   <a:srgbClr val="000000"/>
                 </a:solidFill>
               </a:rPr>
-              <a:t>&gt;&gt;          addresses: [192.168.1.3/24]</a:t>
+              <a:t>&gt;&gt;          addresses: [10.0.2.15/24]</a:t>
             </a:r>
           </a:p>
           <a:p>
@@ -7248,7 +6810,7 @@
                   <a:srgbClr val="000000"/>
                 </a:solidFill>
               </a:rPr>
-              <a:t>&gt;&gt;          access-point:</a:t>
+              <a:t>&gt;&gt;          access-points:</a:t>
             </a:r>
           </a:p>
           <a:p>
@@ -7284,7 +6846,7 @@
                   <a:srgbClr val="000000"/>
                 </a:solidFill>
               </a:rPr>
-              <a:t>&gt;&gt;             password: “Peter@2”</a:t>
+              <a:t>&gt;&gt;               password: “Peter@@2”</a:t>
             </a:r>
           </a:p>
           <a:p>
@@ -7320,7 +6882,7 @@
                   <a:srgbClr val="000000"/>
                 </a:solidFill>
               </a:rPr>
-              <a:t>&gt;&gt;   render: NetworkManager</a:t>
+              <a:t>&gt;&gt;   renderer: NetworkManager</a:t>
             </a:r>
           </a:p>
           <a:p>
@@ -7338,23 +6900,7 @@
                   <a:srgbClr val="000000"/>
                 </a:solidFill>
               </a:rPr>
-              <a:t>&gt; sudo netplan apply </a:t>
-            </a:r>
-            <a:r>
-              <a:rPr lang="en-US" sz="1800" dirty="0" err="1">
-                <a:solidFill>
-                  <a:srgbClr val="000000"/>
-                </a:solidFill>
-              </a:rPr>
-              <a:t>knode.yaml</a:t>
-            </a:r>
-            <a:r>
-              <a:rPr lang="en-US" sz="1800" dirty="0">
-                <a:solidFill>
-                  <a:srgbClr val="000000"/>
-                </a:solidFill>
-              </a:rPr>
-              <a:t>&gt;</a:t>
+              <a:t>&gt; sudo netplan apply /etc/netplan/knode1.yaml</a:t>
             </a:r>
           </a:p>
           <a:p>
@@ -7467,7 +7013,7 @@
             <a:fld id="{A4F910E6-8D00-4BAF-8C48-9688E0B449D3}" type="datetime1">
               <a:rPr lang="zh-TW" altLang="en-US" smtClean="0"/>
               <a:pPr/>
-              <a:t>2022/11/16</a:t>
+              <a:t>2022/11/19</a:t>
             </a:fld>
             <a:endParaRPr lang="zh-TW" altLang="en-US"/>
           </a:p>
@@ -7499,10 +7045,10 @@
       </p:sp>
       <p:pic>
         <p:nvPicPr>
-          <p:cNvPr id="8" name="Picture 7">
+          <p:cNvPr id="9" name="Picture 8">
             <a:extLst>
               <a:ext uri="{FF2B5EF4-FFF2-40B4-BE49-F238E27FC236}">
-                <a16:creationId xmlns:a16="http://schemas.microsoft.com/office/drawing/2014/main" id="{636DD6A0-F1C6-F3F5-7DF0-BD8958AEE278}"/>
+                <a16:creationId xmlns:a16="http://schemas.microsoft.com/office/drawing/2014/main" id="{050301A9-ADD9-BA8F-D019-92D7E2AA89DC}"/>
               </a:ext>
             </a:extLst>
           </p:cNvPr>
@@ -7519,8 +7065,8 @@
         </p:blipFill>
         <p:spPr>
           <a:xfrm>
-            <a:off x="4139952" y="1484784"/>
-            <a:ext cx="5895975" cy="2695575"/>
+            <a:off x="4792478" y="1556792"/>
+            <a:ext cx="2876550" cy="2428875"/>
           </a:xfrm>
           <a:prstGeom prst="rect">
             <a:avLst/>
@@ -7737,7 +7283,7 @@
                   <a:srgbClr val="000000"/>
                 </a:solidFill>
               </a:rPr>
-              <a:t>&gt;&gt; # New knode</a:t>
+              <a:t>&gt;&gt; # New knode 1</a:t>
             </a:r>
           </a:p>
           <a:p>
@@ -7755,7 +7301,7 @@
                   <a:srgbClr val="000000"/>
                 </a:solidFill>
               </a:rPr>
-              <a:t>&gt;&gt; 192.168.1.3   knode</a:t>
+              <a:t>&gt;&gt; 10.0.2.15   knode1</a:t>
             </a:r>
           </a:p>
           <a:p>
@@ -7886,7 +7432,7 @@
             <a:fld id="{A4F910E6-8D00-4BAF-8C48-9688E0B449D3}" type="datetime1">
               <a:rPr lang="zh-TW" altLang="en-US" smtClean="0"/>
               <a:pPr/>
-              <a:t>2022/11/16</a:t>
+              <a:t>2022/11/19</a:t>
             </a:fld>
             <a:endParaRPr lang="zh-TW" altLang="en-US"/>
           </a:p>
@@ -8005,10 +7551,10 @@
       </p:sp>
       <p:pic>
         <p:nvPicPr>
-          <p:cNvPr id="11" name="Picture 10">
+          <p:cNvPr id="14" name="Picture 13">
             <a:extLst>
               <a:ext uri="{FF2B5EF4-FFF2-40B4-BE49-F238E27FC236}">
-                <a16:creationId xmlns:a16="http://schemas.microsoft.com/office/drawing/2014/main" id="{4514513D-0B71-0CA4-CC56-FA670EFDD88A}"/>
+                <a16:creationId xmlns:a16="http://schemas.microsoft.com/office/drawing/2014/main" id="{BA303399-FCDA-6320-31EE-58118BD821EE}"/>
               </a:ext>
             </a:extLst>
           </p:cNvPr>
@@ -8025,12 +7571,17 @@
         </p:blipFill>
         <p:spPr>
           <a:xfrm>
-            <a:off x="3663888" y="895771"/>
-            <a:ext cx="6477000" cy="2524125"/>
+            <a:off x="2987824" y="1337327"/>
+            <a:ext cx="5229225" cy="2428875"/>
           </a:xfrm>
           <a:prstGeom prst="rect">
             <a:avLst/>
           </a:prstGeom>
+          <a:ln>
+            <a:solidFill>
+              <a:srgbClr val="C00000"/>
+            </a:solidFill>
+          </a:ln>
         </p:spPr>
       </p:pic>
       <p:sp>
@@ -8047,8 +7598,8 @@
         </p:nvSpPr>
         <p:spPr>
           <a:xfrm>
-            <a:off x="3663888" y="1379303"/>
-            <a:ext cx="3384376" cy="649995"/>
+            <a:off x="3080938" y="2155301"/>
+            <a:ext cx="2787208" cy="529034"/>
           </a:xfrm>
           <a:prstGeom prst="rect">
             <a:avLst/>
@@ -8310,21 +7861,8 @@
                   <a:srgbClr val="000000"/>
                 </a:solidFill>
               </a:rPr>
-              <a:t>1. </a:t>
-            </a:r>
-            <a:r>
-              <a:rPr lang="en-US" sz="1800" dirty="0" err="1">
-                <a:solidFill>
-                  <a:srgbClr val="000000"/>
-                </a:solidFill>
-              </a:rPr>
-              <a:t>root@knode</a:t>
-            </a:r>
-            <a:endParaRPr lang="en-US" sz="1800" dirty="0">
-              <a:solidFill>
-                <a:srgbClr val="000000"/>
-              </a:solidFill>
-            </a:endParaRPr>
+              <a:t>1. root@knode1</a:t>
+            </a:r>
           </a:p>
           <a:p>
             <a:pPr marL="342900" indent="-342900" algn="l">
@@ -8359,7 +7897,7 @@
                   <a:srgbClr val="000000"/>
                 </a:solidFill>
               </a:rPr>
-              <a:t>&gt;&gt; wlp2s0: IP Address 192.168.1.3</a:t>
+              <a:t>&gt;&gt; enp0s3: IP Address 10.0.2.15</a:t>
             </a:r>
           </a:p>
           <a:p>
@@ -8475,7 +8013,7 @@
             <a:fld id="{A4F910E6-8D00-4BAF-8C48-9688E0B449D3}" type="datetime1">
               <a:rPr lang="zh-TW" altLang="en-US" smtClean="0"/>
               <a:pPr/>
-              <a:t>2022/11/16</a:t>
+              <a:t>2022/11/19</a:t>
             </a:fld>
             <a:endParaRPr lang="zh-TW" altLang="en-US"/>
           </a:p>
@@ -8507,10 +8045,10 @@
       </p:sp>
       <p:pic>
         <p:nvPicPr>
-          <p:cNvPr id="10" name="Picture 9">
+          <p:cNvPr id="11" name="Picture 10">
             <a:extLst>
               <a:ext uri="{FF2B5EF4-FFF2-40B4-BE49-F238E27FC236}">
-                <a16:creationId xmlns:a16="http://schemas.microsoft.com/office/drawing/2014/main" id="{619D39EB-27C4-AE3C-BE83-DD6F15F72FFD}"/>
+                <a16:creationId xmlns:a16="http://schemas.microsoft.com/office/drawing/2014/main" id="{B49349D0-87E8-E0A0-2E22-BFA14C70361B}"/>
               </a:ext>
             </a:extLst>
           </p:cNvPr>
@@ -8527,8 +8065,8 @@
         </p:blipFill>
         <p:spPr>
           <a:xfrm>
-            <a:off x="3296791" y="405514"/>
-            <a:ext cx="5991225" cy="5876925"/>
+            <a:off x="3127647" y="1571493"/>
+            <a:ext cx="5771673" cy="4844835"/>
           </a:xfrm>
           <a:prstGeom prst="rect">
             <a:avLst/>
@@ -8554,7 +8092,7 @@
         </p:nvSpPr>
         <p:spPr>
           <a:xfrm>
-            <a:off x="3296790" y="5991224"/>
+            <a:off x="3171190" y="6121509"/>
             <a:ext cx="2139306" cy="291215"/>
           </a:xfrm>
           <a:prstGeom prst="rect">
@@ -8606,8 +8144,8 @@
         </p:nvSpPr>
         <p:spPr>
           <a:xfrm>
-            <a:off x="3296791" y="4581128"/>
-            <a:ext cx="5898282" cy="576064"/>
+            <a:off x="3171190" y="3362449"/>
+            <a:ext cx="5577274" cy="404091"/>
           </a:xfrm>
           <a:prstGeom prst="rect">
             <a:avLst/>
@@ -8658,7 +8196,7 @@
         </p:nvSpPr>
         <p:spPr>
           <a:xfrm>
-            <a:off x="3296790" y="5600453"/>
+            <a:off x="3056701" y="5743583"/>
             <a:ext cx="304081" cy="291215"/>
           </a:xfrm>
           <a:prstGeom prst="ellipse">
@@ -8719,7 +8257,7 @@
         </p:nvSpPr>
         <p:spPr>
           <a:xfrm>
-            <a:off x="3296791" y="4304512"/>
+            <a:off x="3136883" y="3028576"/>
             <a:ext cx="304081" cy="291215"/>
           </a:xfrm>
           <a:prstGeom prst="ellipse">
@@ -8939,7 +8477,7 @@
                   <a:srgbClr val="000000"/>
                 </a:solidFill>
               </a:rPr>
-              <a:t>1. The hostname to “knode” is successfully updated by /etc/hostname.</a:t>
+              <a:t>1. The hostname to “knode1” is successfully updated by /etc/hostname.</a:t>
             </a:r>
           </a:p>
           <a:p>
@@ -9091,7 +8629,7 @@
             <a:fld id="{A4F910E6-8D00-4BAF-8C48-9688E0B449D3}" type="datetime1">
               <a:rPr lang="zh-TW" altLang="en-US" smtClean="0"/>
               <a:pPr/>
-              <a:t>2022/11/16</a:t>
+              <a:t>2022/11/19</a:t>
             </a:fld>
             <a:endParaRPr lang="zh-TW" altLang="en-US"/>
           </a:p>
@@ -9123,10 +8661,10 @@
       </p:sp>
       <p:pic>
         <p:nvPicPr>
-          <p:cNvPr id="10" name="Picture 9">
+          <p:cNvPr id="7" name="Picture 6">
             <a:extLst>
               <a:ext uri="{FF2B5EF4-FFF2-40B4-BE49-F238E27FC236}">
-                <a16:creationId xmlns:a16="http://schemas.microsoft.com/office/drawing/2014/main" id="{619D39EB-27C4-AE3C-BE83-DD6F15F72FFD}"/>
+                <a16:creationId xmlns:a16="http://schemas.microsoft.com/office/drawing/2014/main" id="{8CFEF793-1A87-1CD0-BC60-0F8E9EF9138C}"/>
               </a:ext>
             </a:extLst>
           </p:cNvPr>
@@ -9143,8 +8681,8 @@
         </p:blipFill>
         <p:spPr>
           <a:xfrm>
-            <a:off x="3296791" y="405514"/>
-            <a:ext cx="5991225" cy="5876925"/>
+            <a:off x="3127647" y="1571493"/>
+            <a:ext cx="5771673" cy="4844835"/>
           </a:xfrm>
           <a:prstGeom prst="rect">
             <a:avLst/>
@@ -9170,7 +8708,7 @@
         </p:nvSpPr>
         <p:spPr>
           <a:xfrm>
-            <a:off x="3296790" y="5991224"/>
+            <a:off x="3100159" y="6101594"/>
             <a:ext cx="2139306" cy="291215"/>
           </a:xfrm>
           <a:prstGeom prst="rect">
@@ -9222,7 +8760,7 @@
         </p:nvSpPr>
         <p:spPr>
           <a:xfrm>
-            <a:off x="3296791" y="4581128"/>
+            <a:off x="3159493" y="3447314"/>
             <a:ext cx="5898282" cy="576064"/>
           </a:xfrm>
           <a:prstGeom prst="rect">
@@ -9274,7 +8812,7 @@
         </p:nvSpPr>
         <p:spPr>
           <a:xfrm>
-            <a:off x="3296790" y="5600453"/>
+            <a:off x="3100159" y="5710823"/>
             <a:ext cx="304081" cy="291215"/>
           </a:xfrm>
           <a:prstGeom prst="ellipse">
@@ -9335,7 +8873,7 @@
         </p:nvSpPr>
         <p:spPr>
           <a:xfrm>
-            <a:off x="3296791" y="4304512"/>
+            <a:off x="3159493" y="3170698"/>
             <a:ext cx="304081" cy="291215"/>
           </a:xfrm>
           <a:prstGeom prst="ellipse">
@@ -9777,7 +9315,7 @@
             <a:fld id="{A4F910E6-8D00-4BAF-8C48-9688E0B449D3}" type="datetime1">
               <a:rPr lang="zh-TW" altLang="en-US" smtClean="0"/>
               <a:pPr/>
-              <a:t>2022/11/16</a:t>
+              <a:t>2022/11/19</a:t>
             </a:fld>
             <a:endParaRPr lang="zh-TW" altLang="en-US"/>
           </a:p>
@@ -10275,7 +9813,7 @@
             <a:fld id="{C389EDC9-19E3-47AC-9C57-C6A24DEA81AD}" type="datetime1">
               <a:rPr lang="zh-TW" altLang="en-US" smtClean="0"/>
               <a:pPr/>
-              <a:t>2022/11/16</a:t>
+              <a:t>2022/11/19</a:t>
             </a:fld>
             <a:endParaRPr lang="zh-TW" altLang="en-US"/>
           </a:p>
@@ -10570,7 +10108,7 @@
             <a:fld id="{A4F910E6-8D00-4BAF-8C48-9688E0B449D3}" type="datetime1">
               <a:rPr lang="zh-TW" altLang="en-US" smtClean="0"/>
               <a:pPr/>
-              <a:t>2022/11/16</a:t>
+              <a:t>2022/11/19</a:t>
             </a:fld>
             <a:endParaRPr lang="zh-TW" altLang="en-US"/>
           </a:p>
@@ -11286,7 +10824,7 @@
             <a:fld id="{A4F910E6-8D00-4BAF-8C48-9688E0B449D3}" type="datetime1">
               <a:rPr lang="zh-TW" altLang="en-US" smtClean="0"/>
               <a:pPr/>
-              <a:t>2022/11/16</a:t>
+              <a:t>2022/11/19</a:t>
             </a:fld>
             <a:endParaRPr lang="zh-TW" altLang="en-US"/>
           </a:p>
@@ -11353,10 +10891,10 @@
       </p:pic>
       <p:pic>
         <p:nvPicPr>
-          <p:cNvPr id="12" name="Picture 11">
+          <p:cNvPr id="8" name="Picture 7">
             <a:extLst>
               <a:ext uri="{FF2B5EF4-FFF2-40B4-BE49-F238E27FC236}">
-                <a16:creationId xmlns:a16="http://schemas.microsoft.com/office/drawing/2014/main" id="{28ACAF7D-86EB-608C-39A2-FB5A04C53AB8}"/>
+                <a16:creationId xmlns:a16="http://schemas.microsoft.com/office/drawing/2014/main" id="{ADAEF41E-81FA-331C-03C6-B0889A68DAC0}"/>
               </a:ext>
             </a:extLst>
           </p:cNvPr>
@@ -11373,8 +10911,8 @@
         </p:blipFill>
         <p:spPr>
           <a:xfrm>
-            <a:off x="4389604" y="2918109"/>
-            <a:ext cx="4895850" cy="1114425"/>
+            <a:off x="2771800" y="3140968"/>
+            <a:ext cx="4600576" cy="3336681"/>
           </a:xfrm>
           <a:prstGeom prst="rect">
             <a:avLst/>
@@ -11493,8 +11031,8 @@
         </p:nvSpPr>
         <p:spPr>
           <a:xfrm>
-            <a:off x="145354" y="1248460"/>
-            <a:ext cx="4210622" cy="4124756"/>
+            <a:off x="145354" y="1248459"/>
+            <a:ext cx="5218734" cy="4484797"/>
           </a:xfrm>
           <a:ln>
             <a:solidFill>
@@ -11601,7 +11139,7 @@
                   <a:srgbClr val="000000"/>
                 </a:solidFill>
               </a:rPr>
-              <a:t>&gt; sudo apt autoremove</a:t>
+              <a:t>1. &gt; sudo apt remove docker …</a:t>
             </a:r>
           </a:p>
           <a:p>
@@ -11619,7 +11157,7 @@
                   <a:srgbClr val="000000"/>
                 </a:solidFill>
               </a:rPr>
-              <a:t>&gt; apt-get update</a:t>
+              <a:t>2. Get ca-certificate, url, etc.</a:t>
             </a:r>
           </a:p>
           <a:p>
@@ -11637,7 +11175,7 @@
                   <a:srgbClr val="000000"/>
                 </a:solidFill>
               </a:rPr>
-              <a:t>We install docker</a:t>
+              <a:t>&gt; apt-get install ca-certificates curl …</a:t>
             </a:r>
           </a:p>
           <a:p>
@@ -11655,7 +11193,7 @@
                   <a:srgbClr val="000000"/>
                 </a:solidFill>
               </a:rPr>
-              <a:t>&gt; apt-get install -y docker-ce …</a:t>
+              <a:t>3. Get docker official GPG key.</a:t>
             </a:r>
           </a:p>
           <a:p>
@@ -11673,7 +11211,61 @@
                   <a:srgbClr val="000000"/>
                 </a:solidFill>
               </a:rPr>
-              <a:t>&gt; sudo docker run hello-world</a:t>
+              <a:t>4. Setup docker repository</a:t>
+            </a:r>
+          </a:p>
+          <a:p>
+            <a:pPr marL="342900" indent="-342900" algn="l">
+              <a:buClr>
+                <a:srgbClr val="0070C0"/>
+              </a:buClr>
+              <a:buSzPct val="80000"/>
+              <a:buFont typeface="Wingdings" pitchFamily="2" charset="2"/>
+              <a:buChar char="u"/>
+            </a:pPr>
+            <a:r>
+              <a:rPr lang="en-US" sz="1800" dirty="0">
+                <a:solidFill>
+                  <a:srgbClr val="000000"/>
+                </a:solidFill>
+              </a:rPr>
+              <a:t>5. install docker engine</a:t>
+            </a:r>
+          </a:p>
+          <a:p>
+            <a:pPr marL="342900" indent="-342900" algn="l">
+              <a:buClr>
+                <a:srgbClr val="0070C0"/>
+              </a:buClr>
+              <a:buSzPct val="80000"/>
+              <a:buFont typeface="Wingdings" pitchFamily="2" charset="2"/>
+              <a:buChar char="u"/>
+            </a:pPr>
+            <a:r>
+              <a:rPr lang="en-US" sz="1800" dirty="0">
+                <a:solidFill>
+                  <a:srgbClr val="000000"/>
+                </a:solidFill>
+              </a:rPr>
+              <a:t>&gt; sudo apt-get update</a:t>
+            </a:r>
+          </a:p>
+          <a:p>
+            <a:pPr marL="342900" indent="-342900" algn="l">
+              <a:buClr>
+                <a:srgbClr val="0070C0"/>
+              </a:buClr>
+              <a:buSzPct val="80000"/>
+              <a:buFont typeface="Wingdings" pitchFamily="2" charset="2"/>
+              <a:buChar char="u"/>
+            </a:pPr>
+            <a:r>
+              <a:rPr lang="en-US" sz="1800" dirty="0">
+                <a:solidFill>
+                  <a:srgbClr val="000000"/>
+                </a:solidFill>
+              </a:rPr>
+              <a:t>&gt; sudo apt-get install docker-ce</a:t>
             </a:r>
           </a:p>
         </p:txBody>
@@ -11771,7 +11363,7 @@
             <a:fld id="{A4F910E6-8D00-4BAF-8C48-9688E0B449D3}" type="datetime1">
               <a:rPr lang="zh-TW" altLang="en-US" smtClean="0"/>
               <a:pPr/>
-              <a:t>2022/11/16</a:t>
+              <a:t>2022/11/19</a:t>
             </a:fld>
             <a:endParaRPr lang="zh-TW" altLang="en-US"/>
           </a:p>
@@ -11823,8 +11415,8 @@
         </p:blipFill>
         <p:spPr>
           <a:xfrm>
-            <a:off x="4543425" y="136525"/>
-            <a:ext cx="4600575" cy="4619625"/>
+            <a:off x="5076056" y="136525"/>
+            <a:ext cx="3780875" cy="3796531"/>
           </a:xfrm>
           <a:prstGeom prst="rect">
             <a:avLst/>
@@ -11850,7 +11442,7 @@
         </p:nvSpPr>
         <p:spPr>
           <a:xfrm>
-            <a:off x="4543424" y="2996952"/>
+            <a:off x="5076056" y="2539927"/>
             <a:ext cx="2009775" cy="648072"/>
           </a:xfrm>
           <a:prstGeom prst="rect">
@@ -11930,6 +11522,636 @@
         </p:nvSpPr>
         <p:spPr>
           <a:xfrm>
+            <a:off x="0" y="1"/>
+            <a:ext cx="9144000" cy="764704"/>
+          </a:xfrm>
+          <a:gradFill flip="none" rotWithShape="1">
+            <a:gsLst>
+              <a:gs pos="0">
+                <a:srgbClr val="C00000">
+                  <a:shade val="30000"/>
+                  <a:satMod val="115000"/>
+                </a:srgbClr>
+              </a:gs>
+              <a:gs pos="50000">
+                <a:srgbClr val="C00000">
+                  <a:shade val="67500"/>
+                  <a:satMod val="115000"/>
+                </a:srgbClr>
+              </a:gs>
+              <a:gs pos="100000">
+                <a:srgbClr val="C00000">
+                  <a:shade val="100000"/>
+                  <a:satMod val="115000"/>
+                </a:srgbClr>
+              </a:gs>
+            </a:gsLst>
+            <a:path path="circle">
+              <a:fillToRect t="100000" r="100000"/>
+            </a:path>
+            <a:tileRect l="-100000" b="-100000"/>
+          </a:gradFill>
+        </p:spPr>
+        <p:txBody>
+          <a:bodyPr>
+            <a:normAutofit/>
+          </a:bodyPr>
+          <a:lstStyle/>
+          <a:p>
+            <a:pPr algn="l"/>
+            <a:r>
+              <a:rPr lang="en-US" altLang="zh-TW" sz="4400" b="1" dirty="0">
+                <a:solidFill>
+                  <a:srgbClr val="FFFF00"/>
+                </a:solidFill>
+              </a:rPr>
+              <a:t>1.4 Install OpenSSH Server and Docker </a:t>
+            </a:r>
+            <a:endParaRPr lang="zh-TW" altLang="en-US" b="1" dirty="0">
+              <a:solidFill>
+                <a:srgbClr val="FFFF00"/>
+              </a:solidFill>
+            </a:endParaRPr>
+          </a:p>
+        </p:txBody>
+      </p:sp>
+      <p:sp>
+        <p:nvSpPr>
+          <p:cNvPr id="3" name="副標題 2"/>
+          <p:cNvSpPr>
+            <a:spLocks noGrp="1"/>
+          </p:cNvSpPr>
+          <p:nvPr>
+            <p:ph type="subTitle" idx="1"/>
+          </p:nvPr>
+        </p:nvSpPr>
+        <p:spPr>
+          <a:xfrm>
+            <a:off x="326086" y="1330617"/>
+            <a:ext cx="5218734" cy="2170391"/>
+          </a:xfrm>
+          <a:ln>
+            <a:solidFill>
+              <a:srgbClr val="C00000"/>
+            </a:solidFill>
+          </a:ln>
+        </p:spPr>
+        <p:txBody>
+          <a:bodyPr>
+            <a:noAutofit/>
+          </a:bodyPr>
+          <a:lstStyle/>
+          <a:p>
+            <a:pPr marL="342900" indent="-342900" algn="l">
+              <a:buClr>
+                <a:srgbClr val="0070C0"/>
+              </a:buClr>
+              <a:buSzPct val="80000"/>
+              <a:buFont typeface="Wingdings" pitchFamily="2" charset="2"/>
+              <a:buChar char="u"/>
+            </a:pPr>
+            <a:r>
+              <a:rPr lang="en-US" sz="1800" b="1" i="0" dirty="0">
+                <a:solidFill>
+                  <a:srgbClr val="C00000"/>
+                </a:solidFill>
+                <a:effectLst/>
+              </a:rPr>
+              <a:t>Verify Docker run (8:09/27:56)</a:t>
+            </a:r>
+          </a:p>
+          <a:p>
+            <a:pPr marL="342900" indent="-342900" algn="l">
+              <a:buClr>
+                <a:srgbClr val="0070C0"/>
+              </a:buClr>
+              <a:buSzPct val="80000"/>
+              <a:buFont typeface="Wingdings" pitchFamily="2" charset="2"/>
+              <a:buChar char="u"/>
+            </a:pPr>
+            <a:r>
+              <a:rPr lang="en-US" sz="1800" dirty="0">
+                <a:solidFill>
+                  <a:srgbClr val="000000"/>
+                </a:solidFill>
+                <a:hlinkClick r:id="rId2"/>
+              </a:rPr>
+              <a:t>https://docs.docker.com/engine/install/ubuntu/</a:t>
+            </a:r>
+            <a:endParaRPr lang="en-US" sz="1800" dirty="0">
+              <a:solidFill>
+                <a:srgbClr val="000000"/>
+              </a:solidFill>
+            </a:endParaRPr>
+          </a:p>
+          <a:p>
+            <a:pPr marL="342900" indent="-342900" algn="l">
+              <a:buClr>
+                <a:srgbClr val="0070C0"/>
+              </a:buClr>
+              <a:buSzPct val="80000"/>
+              <a:buFont typeface="Wingdings" pitchFamily="2" charset="2"/>
+              <a:buChar char="u"/>
+            </a:pPr>
+            <a:r>
+              <a:rPr lang="en-US" sz="1800" dirty="0">
+                <a:solidFill>
+                  <a:srgbClr val="000000"/>
+                </a:solidFill>
+              </a:rPr>
+              <a:t>6. Run Docker “hello-world”</a:t>
+            </a:r>
+          </a:p>
+          <a:p>
+            <a:pPr marL="342900" indent="-342900" algn="l">
+              <a:buClr>
+                <a:srgbClr val="0070C0"/>
+              </a:buClr>
+              <a:buSzPct val="80000"/>
+              <a:buFont typeface="Wingdings" pitchFamily="2" charset="2"/>
+              <a:buChar char="u"/>
+            </a:pPr>
+            <a:r>
+              <a:rPr lang="en-US" sz="1800" dirty="0">
+                <a:solidFill>
+                  <a:srgbClr val="000000"/>
+                </a:solidFill>
+              </a:rPr>
+              <a:t>&gt; sudo docker run hello-world</a:t>
+            </a:r>
+          </a:p>
+          <a:p>
+            <a:pPr marL="342900" indent="-342900" algn="l">
+              <a:buClr>
+                <a:srgbClr val="0070C0"/>
+              </a:buClr>
+              <a:buSzPct val="80000"/>
+              <a:buFont typeface="Wingdings" pitchFamily="2" charset="2"/>
+              <a:buChar char="u"/>
+            </a:pPr>
+            <a:r>
+              <a:rPr lang="en-US" sz="1800" dirty="0">
+                <a:solidFill>
+                  <a:srgbClr val="000000"/>
+                </a:solidFill>
+              </a:rPr>
+              <a:t>7. Verify Docker container is running</a:t>
+            </a:r>
+          </a:p>
+          <a:p>
+            <a:pPr marL="342900" indent="-342900" algn="l">
+              <a:buClr>
+                <a:srgbClr val="0070C0"/>
+              </a:buClr>
+              <a:buSzPct val="80000"/>
+              <a:buFont typeface="Wingdings" pitchFamily="2" charset="2"/>
+              <a:buChar char="u"/>
+            </a:pPr>
+            <a:r>
+              <a:rPr lang="en-US" sz="1800" dirty="0">
+                <a:solidFill>
+                  <a:srgbClr val="000000"/>
+                </a:solidFill>
+              </a:rPr>
+              <a:t>&gt; docker ps -a</a:t>
+            </a:r>
+          </a:p>
+        </p:txBody>
+      </p:sp>
+      <p:sp>
+        <p:nvSpPr>
+          <p:cNvPr id="4" name="標題 1"/>
+          <p:cNvSpPr txBox="1">
+            <a:spLocks/>
+          </p:cNvSpPr>
+          <p:nvPr/>
+        </p:nvSpPr>
+        <p:spPr>
+          <a:xfrm>
+            <a:off x="0" y="764704"/>
+            <a:ext cx="9144000" cy="360040"/>
+          </a:xfrm>
+          <a:prstGeom prst="rect">
+            <a:avLst/>
+          </a:prstGeom>
+          <a:gradFill flip="none" rotWithShape="1">
+            <a:gsLst>
+              <a:gs pos="0">
+                <a:srgbClr val="00B0F0">
+                  <a:shade val="30000"/>
+                  <a:satMod val="115000"/>
+                </a:srgbClr>
+              </a:gs>
+              <a:gs pos="50000">
+                <a:srgbClr val="00B0F0">
+                  <a:shade val="67500"/>
+                  <a:satMod val="115000"/>
+                </a:srgbClr>
+              </a:gs>
+              <a:gs pos="100000">
+                <a:srgbClr val="00B0F0">
+                  <a:shade val="100000"/>
+                  <a:satMod val="115000"/>
+                </a:srgbClr>
+              </a:gs>
+            </a:gsLst>
+            <a:path path="circle">
+              <a:fillToRect t="100000" r="100000"/>
+            </a:path>
+            <a:tileRect l="-100000" b="-100000"/>
+          </a:gradFill>
+        </p:spPr>
+        <p:txBody>
+          <a:bodyPr vert="horz" lIns="91440" tIns="45720" rIns="91440" bIns="45720" rtlCol="0" anchor="ctr">
+            <a:normAutofit/>
+          </a:bodyPr>
+          <a:lstStyle/>
+          <a:p>
+            <a:pPr lvl="0">
+              <a:spcBef>
+                <a:spcPct val="0"/>
+              </a:spcBef>
+            </a:pPr>
+            <a:r>
+              <a:rPr lang="en-US" sz="1600" dirty="0"/>
+              <a:t>https://www.youtube.com/watch?v=UWg3ORRRF60</a:t>
+            </a:r>
+            <a:endParaRPr kumimoji="0" lang="zh-TW" altLang="en-US" sz="1600" b="0" i="0" u="none" strike="noStrike" kern="1200" cap="none" spc="0" normalizeH="0" baseline="0" noProof="0" dirty="0">
+              <a:ln>
+                <a:noFill/>
+              </a:ln>
+              <a:solidFill>
+                <a:schemeClr val="tx1"/>
+              </a:solidFill>
+              <a:effectLst/>
+              <a:uLnTx/>
+              <a:uFillTx/>
+              <a:latin typeface="+mj-lt"/>
+              <a:ea typeface="+mj-ea"/>
+              <a:cs typeface="+mj-cs"/>
+            </a:endParaRPr>
+          </a:p>
+        </p:txBody>
+      </p:sp>
+      <p:sp>
+        <p:nvSpPr>
+          <p:cNvPr id="5" name="日期版面配置區 4"/>
+          <p:cNvSpPr>
+            <a:spLocks noGrp="1"/>
+          </p:cNvSpPr>
+          <p:nvPr>
+            <p:ph type="dt" sz="half" idx="10"/>
+          </p:nvPr>
+        </p:nvSpPr>
+        <p:spPr/>
+        <p:txBody>
+          <a:bodyPr/>
+          <a:lstStyle/>
+          <a:p>
+            <a:fld id="{A4F910E6-8D00-4BAF-8C48-9688E0B449D3}" type="datetime1">
+              <a:rPr lang="zh-TW" altLang="en-US" smtClean="0"/>
+              <a:pPr/>
+              <a:t>2022/11/19</a:t>
+            </a:fld>
+            <a:endParaRPr lang="zh-TW" altLang="en-US"/>
+          </a:p>
+        </p:txBody>
+      </p:sp>
+      <p:sp>
+        <p:nvSpPr>
+          <p:cNvPr id="6" name="投影片編號版面配置區 5"/>
+          <p:cNvSpPr>
+            <a:spLocks noGrp="1"/>
+          </p:cNvSpPr>
+          <p:nvPr>
+            <p:ph type="sldNum" sz="quarter" idx="12"/>
+          </p:nvPr>
+        </p:nvSpPr>
+        <p:spPr/>
+        <p:txBody>
+          <a:bodyPr/>
+          <a:lstStyle/>
+          <a:p>
+            <a:fld id="{E4D7E63D-91F2-4366-A2C4-1B00C9E2590E}" type="slidenum">
+              <a:rPr lang="zh-TW" altLang="en-US" smtClean="0"/>
+              <a:pPr/>
+              <a:t>24</a:t>
+            </a:fld>
+            <a:endParaRPr lang="zh-TW" altLang="en-US"/>
+          </a:p>
+        </p:txBody>
+      </p:sp>
+      <p:pic>
+        <p:nvPicPr>
+          <p:cNvPr id="9" name="Picture 8">
+            <a:extLst>
+              <a:ext uri="{FF2B5EF4-FFF2-40B4-BE49-F238E27FC236}">
+                <a16:creationId xmlns:a16="http://schemas.microsoft.com/office/drawing/2014/main" id="{BB7A0E15-D2A4-70AF-4CD0-1AD77B195F87}"/>
+              </a:ext>
+            </a:extLst>
+          </p:cNvPr>
+          <p:cNvPicPr>
+            <a:picLocks noChangeAspect="1"/>
+          </p:cNvPicPr>
+          <p:nvPr/>
+        </p:nvPicPr>
+        <p:blipFill>
+          <a:blip r:embed="rId3"/>
+          <a:stretch>
+            <a:fillRect/>
+          </a:stretch>
+        </p:blipFill>
+        <p:spPr>
+          <a:xfrm>
+            <a:off x="5076056" y="136525"/>
+            <a:ext cx="3780875" cy="3796531"/>
+          </a:xfrm>
+          <a:prstGeom prst="rect">
+            <a:avLst/>
+          </a:prstGeom>
+          <a:ln>
+            <a:solidFill>
+              <a:srgbClr val="C00000"/>
+            </a:solidFill>
+          </a:ln>
+        </p:spPr>
+      </p:pic>
+      <p:sp>
+        <p:nvSpPr>
+          <p:cNvPr id="7" name="Rectangle 6">
+            <a:extLst>
+              <a:ext uri="{FF2B5EF4-FFF2-40B4-BE49-F238E27FC236}">
+                <a16:creationId xmlns:a16="http://schemas.microsoft.com/office/drawing/2014/main" id="{3F05E5E3-C2F6-17E9-53E2-533393AFED16}"/>
+              </a:ext>
+            </a:extLst>
+          </p:cNvPr>
+          <p:cNvSpPr/>
+          <p:nvPr/>
+        </p:nvSpPr>
+        <p:spPr>
+          <a:xfrm>
+            <a:off x="5076056" y="2539927"/>
+            <a:ext cx="2009775" cy="648072"/>
+          </a:xfrm>
+          <a:prstGeom prst="rect">
+            <a:avLst/>
+          </a:prstGeom>
+          <a:noFill/>
+          <a:ln>
+            <a:solidFill>
+              <a:srgbClr val="C00000"/>
+            </a:solidFill>
+          </a:ln>
+        </p:spPr>
+        <p:style>
+          <a:lnRef idx="2">
+            <a:schemeClr val="accent1">
+              <a:shade val="50000"/>
+            </a:schemeClr>
+          </a:lnRef>
+          <a:fillRef idx="1">
+            <a:schemeClr val="accent1"/>
+          </a:fillRef>
+          <a:effectRef idx="0">
+            <a:schemeClr val="accent1"/>
+          </a:effectRef>
+          <a:fontRef idx="minor">
+            <a:schemeClr val="lt1"/>
+          </a:fontRef>
+        </p:style>
+        <p:txBody>
+          <a:bodyPr rtlCol="0" anchor="ctr"/>
+          <a:lstStyle/>
+          <a:p>
+            <a:pPr algn="ctr"/>
+            <a:endParaRPr lang="en-US"/>
+          </a:p>
+        </p:txBody>
+      </p:sp>
+      <p:pic>
+        <p:nvPicPr>
+          <p:cNvPr id="8" name="Picture 7">
+            <a:extLst>
+              <a:ext uri="{FF2B5EF4-FFF2-40B4-BE49-F238E27FC236}">
+                <a16:creationId xmlns:a16="http://schemas.microsoft.com/office/drawing/2014/main" id="{CC974EB4-F4DA-47A1-69DC-B0F201EE9ACB}"/>
+              </a:ext>
+            </a:extLst>
+          </p:cNvPr>
+          <p:cNvPicPr>
+            <a:picLocks noChangeAspect="1"/>
+          </p:cNvPicPr>
+          <p:nvPr/>
+        </p:nvPicPr>
+        <p:blipFill>
+          <a:blip r:embed="rId4"/>
+          <a:stretch>
+            <a:fillRect/>
+          </a:stretch>
+        </p:blipFill>
+        <p:spPr>
+          <a:xfrm>
+            <a:off x="899592" y="4036823"/>
+            <a:ext cx="5392440" cy="866926"/>
+          </a:xfrm>
+          <a:prstGeom prst="rect">
+            <a:avLst/>
+          </a:prstGeom>
+          <a:ln>
+            <a:solidFill>
+              <a:srgbClr val="C00000"/>
+            </a:solidFill>
+          </a:ln>
+        </p:spPr>
+      </p:pic>
+      <p:sp>
+        <p:nvSpPr>
+          <p:cNvPr id="11" name="Rectangle 10">
+            <a:extLst>
+              <a:ext uri="{FF2B5EF4-FFF2-40B4-BE49-F238E27FC236}">
+                <a16:creationId xmlns:a16="http://schemas.microsoft.com/office/drawing/2014/main" id="{78637581-62EE-1F9A-EF56-A4610A5223B6}"/>
+              </a:ext>
+            </a:extLst>
+          </p:cNvPr>
+          <p:cNvSpPr/>
+          <p:nvPr/>
+        </p:nvSpPr>
+        <p:spPr>
+          <a:xfrm>
+            <a:off x="899592" y="4036822"/>
+            <a:ext cx="5256584" cy="760329"/>
+          </a:xfrm>
+          <a:prstGeom prst="rect">
+            <a:avLst/>
+          </a:prstGeom>
+          <a:noFill/>
+          <a:ln>
+            <a:solidFill>
+              <a:srgbClr val="C00000"/>
+            </a:solidFill>
+          </a:ln>
+        </p:spPr>
+        <p:style>
+          <a:lnRef idx="2">
+            <a:schemeClr val="accent1">
+              <a:shade val="50000"/>
+            </a:schemeClr>
+          </a:lnRef>
+          <a:fillRef idx="1">
+            <a:schemeClr val="accent1"/>
+          </a:fillRef>
+          <a:effectRef idx="0">
+            <a:schemeClr val="accent1"/>
+          </a:effectRef>
+          <a:fontRef idx="minor">
+            <a:schemeClr val="lt1"/>
+          </a:fontRef>
+        </p:style>
+        <p:txBody>
+          <a:bodyPr rtlCol="0" anchor="ctr"/>
+          <a:lstStyle/>
+          <a:p>
+            <a:pPr algn="ctr"/>
+            <a:endParaRPr lang="en-US"/>
+          </a:p>
+        </p:txBody>
+      </p:sp>
+      <p:sp>
+        <p:nvSpPr>
+          <p:cNvPr id="12" name="Rectangle 11">
+            <a:extLst>
+              <a:ext uri="{FF2B5EF4-FFF2-40B4-BE49-F238E27FC236}">
+                <a16:creationId xmlns:a16="http://schemas.microsoft.com/office/drawing/2014/main" id="{FD85574A-0CCB-226F-E1F4-04A13DB0459C}"/>
+              </a:ext>
+            </a:extLst>
+          </p:cNvPr>
+          <p:cNvSpPr/>
+          <p:nvPr/>
+        </p:nvSpPr>
+        <p:spPr>
+          <a:xfrm>
+            <a:off x="691728" y="2996952"/>
+            <a:ext cx="1576016" cy="360040"/>
+          </a:xfrm>
+          <a:prstGeom prst="rect">
+            <a:avLst/>
+          </a:prstGeom>
+          <a:noFill/>
+          <a:ln>
+            <a:solidFill>
+              <a:srgbClr val="C00000"/>
+            </a:solidFill>
+          </a:ln>
+        </p:spPr>
+        <p:style>
+          <a:lnRef idx="2">
+            <a:schemeClr val="accent1">
+              <a:shade val="50000"/>
+            </a:schemeClr>
+          </a:lnRef>
+          <a:fillRef idx="1">
+            <a:schemeClr val="accent1"/>
+          </a:fillRef>
+          <a:effectRef idx="0">
+            <a:schemeClr val="accent1"/>
+          </a:effectRef>
+          <a:fontRef idx="minor">
+            <a:schemeClr val="lt1"/>
+          </a:fontRef>
+        </p:style>
+        <p:txBody>
+          <a:bodyPr rtlCol="0" anchor="ctr"/>
+          <a:lstStyle/>
+          <a:p>
+            <a:pPr algn="ctr"/>
+            <a:endParaRPr lang="en-US"/>
+          </a:p>
+        </p:txBody>
+      </p:sp>
+      <p:cxnSp>
+        <p:nvCxnSpPr>
+          <p:cNvPr id="14" name="Straight Arrow Connector 13">
+            <a:extLst>
+              <a:ext uri="{FF2B5EF4-FFF2-40B4-BE49-F238E27FC236}">
+                <a16:creationId xmlns:a16="http://schemas.microsoft.com/office/drawing/2014/main" id="{006879F0-FD88-03F2-DC10-D630334F6743}"/>
+              </a:ext>
+            </a:extLst>
+          </p:cNvPr>
+          <p:cNvCxnSpPr>
+            <a:cxnSpLocks/>
+            <a:stCxn id="12" idx="2"/>
+            <a:endCxn id="11" idx="0"/>
+          </p:cNvCxnSpPr>
+          <p:nvPr/>
+        </p:nvCxnSpPr>
+        <p:spPr>
+          <a:xfrm>
+            <a:off x="1479736" y="3356992"/>
+            <a:ext cx="2048148" cy="679830"/>
+          </a:xfrm>
+          <a:prstGeom prst="straightConnector1">
+            <a:avLst/>
+          </a:prstGeom>
+          <a:ln>
+            <a:tailEnd type="triangle"/>
+          </a:ln>
+        </p:spPr>
+        <p:style>
+          <a:lnRef idx="1">
+            <a:schemeClr val="accent2"/>
+          </a:lnRef>
+          <a:fillRef idx="0">
+            <a:schemeClr val="accent2"/>
+          </a:fillRef>
+          <a:effectRef idx="0">
+            <a:schemeClr val="accent2"/>
+          </a:effectRef>
+          <a:fontRef idx="minor">
+            <a:schemeClr val="tx1"/>
+          </a:fontRef>
+        </p:style>
+      </p:cxnSp>
+    </p:spTree>
+    <p:extLst>
+      <p:ext uri="{BB962C8B-B14F-4D97-AF65-F5344CB8AC3E}">
+        <p14:creationId xmlns:p14="http://schemas.microsoft.com/office/powerpoint/2010/main" val="2864042347"/>
+      </p:ext>
+    </p:extLst>
+  </p:cSld>
+  <p:clrMapOvr>
+    <a:masterClrMapping/>
+  </p:clrMapOvr>
+</p:sld>
+</file>
+
+<file path=ppt/slides/slide25.xml><?xml version="1.0" encoding="utf-8"?>
+<p:sld xmlns:a="http://schemas.openxmlformats.org/drawingml/2006/main" xmlns:r="http://schemas.openxmlformats.org/officeDocument/2006/relationships" xmlns:p="http://schemas.openxmlformats.org/presentationml/2006/main">
+  <p:cSld>
+    <p:spTree>
+      <p:nvGrpSpPr>
+        <p:cNvPr id="1" name=""/>
+        <p:cNvGrpSpPr/>
+        <p:nvPr/>
+      </p:nvGrpSpPr>
+      <p:grpSpPr>
+        <a:xfrm>
+          <a:off x="0" y="0"/>
+          <a:ext cx="0" cy="0"/>
+          <a:chOff x="0" y="0"/>
+          <a:chExt cx="0" cy="0"/>
+        </a:xfrm>
+      </p:grpSpPr>
+      <p:sp>
+        <p:nvSpPr>
+          <p:cNvPr id="2" name="標題 1"/>
+          <p:cNvSpPr>
+            <a:spLocks noGrp="1"/>
+          </p:cNvSpPr>
+          <p:nvPr>
+            <p:ph type="ctrTitle"/>
+          </p:nvPr>
+        </p:nvSpPr>
+        <p:spPr>
+          <a:xfrm>
             <a:off x="0" y="2130425"/>
             <a:ext cx="9144000" cy="1470025"/>
           </a:xfrm>
@@ -11977,7 +12199,7 @@
             <a:fld id="{C389EDC9-19E3-47AC-9C57-C6A24DEA81AD}" type="datetime1">
               <a:rPr lang="zh-TW" altLang="en-US" smtClean="0"/>
               <a:pPr/>
-              <a:t>2022/11/16</a:t>
+              <a:t>2022/11/19</a:t>
             </a:fld>
             <a:endParaRPr lang="zh-TW" altLang="en-US"/>
           </a:p>
@@ -12001,7 +12223,7 @@
             <a:fld id="{E4D7E63D-91F2-4366-A2C4-1B00C9E2590E}" type="slidenum">
               <a:rPr lang="zh-TW" altLang="en-US" smtClean="0"/>
               <a:pPr/>
-              <a:t>24</a:t>
+              <a:t>25</a:t>
             </a:fld>
             <a:endParaRPr lang="zh-TW" altLang="en-US"/>
           </a:p>
@@ -12050,7 +12272,7 @@
 </p:sld>
 </file>
 
-<file path=ppt/slides/slide25.xml><?xml version="1.0" encoding="utf-8"?>
+<file path=ppt/slides/slide26.xml><?xml version="1.0" encoding="utf-8"?>
 <p:sld xmlns:a="http://schemas.openxmlformats.org/drawingml/2006/main" xmlns:r="http://schemas.openxmlformats.org/officeDocument/2006/relationships" xmlns:p="http://schemas.openxmlformats.org/presentationml/2006/main">
   <p:cSld>
     <p:spTree>
@@ -12272,7 +12494,7 @@
             <a:fld id="{A4F910E6-8D00-4BAF-8C48-9688E0B449D3}" type="datetime1">
               <a:rPr lang="zh-TW" altLang="en-US" smtClean="0"/>
               <a:pPr/>
-              <a:t>2022/11/16</a:t>
+              <a:t>2022/11/19</a:t>
             </a:fld>
             <a:endParaRPr lang="zh-TW" altLang="en-US"/>
           </a:p>
@@ -12296,7 +12518,7 @@
             <a:fld id="{E4D7E63D-91F2-4366-A2C4-1B00C9E2590E}" type="slidenum">
               <a:rPr lang="zh-TW" altLang="en-US" smtClean="0"/>
               <a:pPr/>
-              <a:t>25</a:t>
+              <a:t>26</a:t>
             </a:fld>
             <a:endParaRPr lang="zh-TW" altLang="en-US"/>
           </a:p>
@@ -12694,7 +12916,7 @@
 </p:sld>
 </file>
 
-<file path=ppt/slides/slide26.xml><?xml version="1.0" encoding="utf-8"?>
+<file path=ppt/slides/slide27.xml><?xml version="1.0" encoding="utf-8"?>
 <p:sld xmlns:a="http://schemas.openxmlformats.org/drawingml/2006/main" xmlns:r="http://schemas.openxmlformats.org/officeDocument/2006/relationships" xmlns:p="http://schemas.openxmlformats.org/presentationml/2006/main">
   <p:cSld>
     <p:spTree>
@@ -12711,6 +12933,247 @@
           <a:chExt cx="0" cy="0"/>
         </a:xfrm>
       </p:grpSpPr>
+      <p:sp>
+        <p:nvSpPr>
+          <p:cNvPr id="3" name="副標題 2"/>
+          <p:cNvSpPr>
+            <a:spLocks noGrp="1"/>
+          </p:cNvSpPr>
+          <p:nvPr>
+            <p:ph type="subTitle" idx="1"/>
+          </p:nvPr>
+        </p:nvSpPr>
+        <p:spPr>
+          <a:xfrm>
+            <a:off x="145353" y="1196752"/>
+            <a:ext cx="5218735" cy="5256584"/>
+          </a:xfrm>
+          <a:ln>
+            <a:solidFill>
+              <a:srgbClr val="C00000"/>
+            </a:solidFill>
+          </a:ln>
+        </p:spPr>
+        <p:txBody>
+          <a:bodyPr>
+            <a:noAutofit/>
+          </a:bodyPr>
+          <a:lstStyle/>
+          <a:p>
+            <a:pPr marL="342900" indent="-342900" algn="l">
+              <a:buClr>
+                <a:srgbClr val="0070C0"/>
+              </a:buClr>
+              <a:buSzPct val="80000"/>
+              <a:buFont typeface="Wingdings" pitchFamily="2" charset="2"/>
+              <a:buChar char="u"/>
+            </a:pPr>
+            <a:r>
+              <a:rPr lang="en-US" sz="1800" b="1" i="0" dirty="0">
+                <a:solidFill>
+                  <a:srgbClr val="C00000"/>
+                </a:solidFill>
+                <a:effectLst/>
+              </a:rPr>
+              <a:t>Install curl, download kubernetes, and install Kubernetes (9:26/27:56)</a:t>
+            </a:r>
+          </a:p>
+          <a:p>
+            <a:pPr marL="342900" indent="-342900" algn="l">
+              <a:buClr>
+                <a:srgbClr val="0070C0"/>
+              </a:buClr>
+              <a:buSzPct val="80000"/>
+              <a:buFont typeface="Wingdings" pitchFamily="2" charset="2"/>
+              <a:buChar char="u"/>
+            </a:pPr>
+            <a:r>
+              <a:rPr lang="en-US" sz="1800" dirty="0">
+                <a:solidFill>
+                  <a:srgbClr val="000000"/>
+                </a:solidFill>
+                <a:hlinkClick r:id="rId2"/>
+              </a:rPr>
+              <a:t>https://kubernetes.io/docs/setup/production-environment/tools/kubeadm/install-kubeadm/</a:t>
+            </a:r>
+            <a:endParaRPr lang="en-US" sz="1800" dirty="0">
+              <a:solidFill>
+                <a:srgbClr val="000000"/>
+              </a:solidFill>
+            </a:endParaRPr>
+          </a:p>
+          <a:p>
+            <a:pPr marL="342900" indent="-342900" algn="l">
+              <a:buClr>
+                <a:srgbClr val="0070C0"/>
+              </a:buClr>
+              <a:buSzPct val="80000"/>
+              <a:buFont typeface="Wingdings" pitchFamily="2" charset="2"/>
+              <a:buChar char="u"/>
+            </a:pPr>
+            <a:r>
+              <a:rPr lang="en-US" sz="1800" dirty="0">
+                <a:solidFill>
+                  <a:srgbClr val="000000"/>
+                </a:solidFill>
+              </a:rPr>
+              <a:t>Next, we install the Kubernetes.</a:t>
+            </a:r>
+          </a:p>
+          <a:p>
+            <a:pPr marL="342900" indent="-342900" algn="l">
+              <a:buClr>
+                <a:srgbClr val="0070C0"/>
+              </a:buClr>
+              <a:buSzPct val="80000"/>
+              <a:buFont typeface="Wingdings" pitchFamily="2" charset="2"/>
+              <a:buChar char="u"/>
+            </a:pPr>
+            <a:r>
+              <a:rPr lang="en-US" sz="1800" dirty="0">
+                <a:solidFill>
+                  <a:schemeClr val="tx1"/>
+                </a:solidFill>
+              </a:rPr>
+              <a:t>1. There are a few things that we must do, such as</a:t>
+            </a:r>
+          </a:p>
+          <a:p>
+            <a:pPr marL="342900" indent="-342900" algn="l">
+              <a:buClr>
+                <a:srgbClr val="0070C0"/>
+              </a:buClr>
+              <a:buSzPct val="80000"/>
+              <a:buFont typeface="Wingdings" pitchFamily="2" charset="2"/>
+              <a:buChar char="u"/>
+            </a:pPr>
+            <a:r>
+              <a:rPr lang="en-US" sz="1800" dirty="0">
+                <a:solidFill>
+                  <a:schemeClr val="tx1"/>
+                </a:solidFill>
+              </a:rPr>
+              <a:t>&gt; install curl</a:t>
+            </a:r>
+          </a:p>
+          <a:p>
+            <a:pPr marL="342900" indent="-342900" algn="l">
+              <a:buClr>
+                <a:srgbClr val="0070C0"/>
+              </a:buClr>
+              <a:buSzPct val="80000"/>
+              <a:buFont typeface="Wingdings" pitchFamily="2" charset="2"/>
+              <a:buChar char="u"/>
+            </a:pPr>
+            <a:r>
+              <a:rPr lang="en-US" sz="1800" dirty="0">
+                <a:solidFill>
+                  <a:schemeClr val="tx1"/>
+                </a:solidFill>
+              </a:rPr>
+              <a:t>&gt; install kubernetes package</a:t>
+            </a:r>
+          </a:p>
+          <a:p>
+            <a:pPr marL="342900" indent="-342900" algn="l">
+              <a:buClr>
+                <a:srgbClr val="0070C0"/>
+              </a:buClr>
+              <a:buSzPct val="80000"/>
+              <a:buFont typeface="Wingdings" pitchFamily="2" charset="2"/>
+              <a:buChar char="u"/>
+            </a:pPr>
+            <a:r>
+              <a:rPr lang="en-US" sz="1800" dirty="0">
+                <a:solidFill>
+                  <a:schemeClr val="tx1"/>
+                </a:solidFill>
+              </a:rPr>
+              <a:t>&gt; apt-get update. </a:t>
+            </a:r>
+          </a:p>
+          <a:p>
+            <a:pPr marL="342900" indent="-342900" algn="l">
+              <a:buClr>
+                <a:srgbClr val="0070C0"/>
+              </a:buClr>
+              <a:buSzPct val="80000"/>
+              <a:buFont typeface="Wingdings" pitchFamily="2" charset="2"/>
+              <a:buChar char="u"/>
+            </a:pPr>
+            <a:r>
+              <a:rPr lang="en-US" sz="1800" dirty="0">
+                <a:solidFill>
+                  <a:srgbClr val="000000"/>
+                </a:solidFill>
+              </a:rPr>
+              <a:t>We have three major components in Kubernetes: kubeadm, kubelet, and kubectl</a:t>
+            </a:r>
+          </a:p>
+          <a:p>
+            <a:pPr marL="342900" indent="-342900" algn="l">
+              <a:buClr>
+                <a:srgbClr val="0070C0"/>
+              </a:buClr>
+              <a:buSzPct val="80000"/>
+              <a:buFont typeface="Wingdings" pitchFamily="2" charset="2"/>
+              <a:buChar char="u"/>
+            </a:pPr>
+            <a:r>
+              <a:rPr lang="en-US" sz="1800" dirty="0">
+                <a:solidFill>
+                  <a:srgbClr val="000000"/>
+                </a:solidFill>
+              </a:rPr>
+              <a:t>2. Install kubernetes:</a:t>
+            </a:r>
+          </a:p>
+          <a:p>
+            <a:pPr marL="342900" indent="-342900" algn="l">
+              <a:buClr>
+                <a:srgbClr val="0070C0"/>
+              </a:buClr>
+              <a:buSzPct val="80000"/>
+              <a:buFont typeface="Wingdings" pitchFamily="2" charset="2"/>
+              <a:buChar char="u"/>
+            </a:pPr>
+            <a:r>
+              <a:rPr lang="en-US" sz="1800" dirty="0">
+                <a:solidFill>
+                  <a:srgbClr val="000000"/>
+                </a:solidFill>
+              </a:rPr>
+              <a:t>&gt; apt-get install –y kubelet kubeadm kubectl </a:t>
+            </a:r>
+            <a:r>
+              <a:rPr lang="en-US" sz="1800" b="1" dirty="0">
+                <a:solidFill>
+                  <a:srgbClr val="C00000"/>
+                </a:solidFill>
+              </a:rPr>
+              <a:t>--allow-change-held-packages</a:t>
+            </a:r>
+          </a:p>
+          <a:p>
+            <a:pPr marL="342900" indent="-342900" algn="l">
+              <a:buClr>
+                <a:srgbClr val="0070C0"/>
+              </a:buClr>
+              <a:buSzPct val="80000"/>
+              <a:buFont typeface="Wingdings" pitchFamily="2" charset="2"/>
+              <a:buChar char="u"/>
+            </a:pPr>
+            <a:r>
+              <a:rPr lang="en-US" sz="1800" dirty="0">
+                <a:solidFill>
+                  <a:schemeClr val="tx1"/>
+                </a:solidFill>
+              </a:rPr>
+              <a:t>Note: The option “--allow-change-held-packages” is suggested from installation prompt error message.</a:t>
+            </a:r>
+          </a:p>
+        </p:txBody>
+      </p:sp>
       <p:pic>
         <p:nvPicPr>
           <p:cNvPr id="10" name="Picture 9">
@@ -12726,7 +13189,7 @@
           <p:nvPr/>
         </p:nvPicPr>
         <p:blipFill>
-          <a:blip r:embed="rId2"/>
+          <a:blip r:embed="rId3"/>
           <a:stretch>
             <a:fillRect/>
           </a:stretch>
@@ -12808,223 +13271,6 @@
                 <a:srgbClr val="FFFF00"/>
               </a:solidFill>
             </a:endParaRPr>
-          </a:p>
-        </p:txBody>
-      </p:sp>
-      <p:sp>
-        <p:nvSpPr>
-          <p:cNvPr id="3" name="副標題 2"/>
-          <p:cNvSpPr>
-            <a:spLocks noGrp="1"/>
-          </p:cNvSpPr>
-          <p:nvPr>
-            <p:ph type="subTitle" idx="1"/>
-          </p:nvPr>
-        </p:nvSpPr>
-        <p:spPr>
-          <a:xfrm>
-            <a:off x="145353" y="1248460"/>
-            <a:ext cx="4455221" cy="5204876"/>
-          </a:xfrm>
-          <a:ln>
-            <a:solidFill>
-              <a:srgbClr val="C00000"/>
-            </a:solidFill>
-          </a:ln>
-        </p:spPr>
-        <p:txBody>
-          <a:bodyPr>
-            <a:noAutofit/>
-          </a:bodyPr>
-          <a:lstStyle/>
-          <a:p>
-            <a:pPr marL="342900" indent="-342900" algn="l">
-              <a:buClr>
-                <a:srgbClr val="0070C0"/>
-              </a:buClr>
-              <a:buSzPct val="80000"/>
-              <a:buFont typeface="Wingdings" pitchFamily="2" charset="2"/>
-              <a:buChar char="u"/>
-            </a:pPr>
-            <a:r>
-              <a:rPr lang="en-US" sz="1800" b="1" i="0" dirty="0">
-                <a:solidFill>
-                  <a:srgbClr val="C00000"/>
-                </a:solidFill>
-                <a:effectLst/>
-              </a:rPr>
-              <a:t>Install curl, download kubernetes, and install Kubernetes (9:26/27:56)</a:t>
-            </a:r>
-          </a:p>
-          <a:p>
-            <a:pPr marL="342900" indent="-342900" algn="l">
-              <a:buClr>
-                <a:srgbClr val="0070C0"/>
-              </a:buClr>
-              <a:buSzPct val="80000"/>
-              <a:buFont typeface="Wingdings" pitchFamily="2" charset="2"/>
-              <a:buChar char="u"/>
-            </a:pPr>
-            <a:r>
-              <a:rPr lang="en-US" sz="1800" dirty="0">
-                <a:solidFill>
-                  <a:srgbClr val="000000"/>
-                </a:solidFill>
-              </a:rPr>
-              <a:t>Next, we install the Kubernetes.</a:t>
-            </a:r>
-          </a:p>
-          <a:p>
-            <a:pPr marL="342900" indent="-342900" algn="l">
-              <a:buClr>
-                <a:srgbClr val="0070C0"/>
-              </a:buClr>
-              <a:buSzPct val="80000"/>
-              <a:buFont typeface="Wingdings" pitchFamily="2" charset="2"/>
-              <a:buChar char="u"/>
-            </a:pPr>
-            <a:r>
-              <a:rPr lang="en-US" sz="1800" dirty="0">
-                <a:solidFill>
-                  <a:schemeClr val="tx1"/>
-                </a:solidFill>
-              </a:rPr>
-              <a:t>1. There are a few things that we must do, such as</a:t>
-            </a:r>
-          </a:p>
-          <a:p>
-            <a:pPr marL="342900" indent="-342900" algn="l">
-              <a:buClr>
-                <a:srgbClr val="0070C0"/>
-              </a:buClr>
-              <a:buSzPct val="80000"/>
-              <a:buFont typeface="Wingdings" pitchFamily="2" charset="2"/>
-              <a:buChar char="u"/>
-            </a:pPr>
-            <a:r>
-              <a:rPr lang="en-US" sz="1800" dirty="0">
-                <a:solidFill>
-                  <a:schemeClr val="tx1"/>
-                </a:solidFill>
-              </a:rPr>
-              <a:t>&gt; install curl</a:t>
-            </a:r>
-          </a:p>
-          <a:p>
-            <a:pPr marL="342900" indent="-342900" algn="l">
-              <a:buClr>
-                <a:srgbClr val="0070C0"/>
-              </a:buClr>
-              <a:buSzPct val="80000"/>
-              <a:buFont typeface="Wingdings" pitchFamily="2" charset="2"/>
-              <a:buChar char="u"/>
-            </a:pPr>
-            <a:r>
-              <a:rPr lang="en-US" sz="1800" dirty="0">
-                <a:solidFill>
-                  <a:schemeClr val="tx1"/>
-                </a:solidFill>
-              </a:rPr>
-              <a:t>&gt; install kubernetes package</a:t>
-            </a:r>
-          </a:p>
-          <a:p>
-            <a:pPr marL="342900" indent="-342900" algn="l">
-              <a:buClr>
-                <a:srgbClr val="0070C0"/>
-              </a:buClr>
-              <a:buSzPct val="80000"/>
-              <a:buFont typeface="Wingdings" pitchFamily="2" charset="2"/>
-              <a:buChar char="u"/>
-            </a:pPr>
-            <a:r>
-              <a:rPr lang="en-US" sz="1800" dirty="0">
-                <a:solidFill>
-                  <a:schemeClr val="tx1"/>
-                </a:solidFill>
-              </a:rPr>
-              <a:t>&gt; apt-get update. </a:t>
-            </a:r>
-          </a:p>
-          <a:p>
-            <a:pPr marL="342900" indent="-342900" algn="l">
-              <a:buClr>
-                <a:srgbClr val="0070C0"/>
-              </a:buClr>
-              <a:buSzPct val="80000"/>
-              <a:buFont typeface="Wingdings" pitchFamily="2" charset="2"/>
-              <a:buChar char="u"/>
-            </a:pPr>
-            <a:r>
-              <a:rPr lang="en-US" sz="1800" dirty="0">
-                <a:solidFill>
-                  <a:srgbClr val="000000"/>
-                </a:solidFill>
-              </a:rPr>
-              <a:t>We have three major components in Kubernetes: kubeadm, kubelet, and kubectl</a:t>
-            </a:r>
-          </a:p>
-          <a:p>
-            <a:pPr marL="342900" indent="-342900" algn="l">
-              <a:buClr>
-                <a:srgbClr val="0070C0"/>
-              </a:buClr>
-              <a:buSzPct val="80000"/>
-              <a:buFont typeface="Wingdings" pitchFamily="2" charset="2"/>
-              <a:buChar char="u"/>
-            </a:pPr>
-            <a:r>
-              <a:rPr lang="en-US" sz="1800" dirty="0">
-                <a:solidFill>
-                  <a:srgbClr val="000000"/>
-                </a:solidFill>
-              </a:rPr>
-              <a:t>2. Install kubernetes:</a:t>
-            </a:r>
-          </a:p>
-          <a:p>
-            <a:pPr marL="342900" indent="-342900" algn="l">
-              <a:buClr>
-                <a:srgbClr val="0070C0"/>
-              </a:buClr>
-              <a:buSzPct val="80000"/>
-              <a:buFont typeface="Wingdings" pitchFamily="2" charset="2"/>
-              <a:buChar char="u"/>
-            </a:pPr>
-            <a:r>
-              <a:rPr lang="en-US" sz="1800" dirty="0">
-                <a:solidFill>
-                  <a:srgbClr val="000000"/>
-                </a:solidFill>
-              </a:rPr>
-              <a:t>&gt; apt-get install –y kubelet kubeadm kubectl </a:t>
-            </a:r>
-            <a:r>
-              <a:rPr lang="en-US" sz="1800" b="1" dirty="0">
-                <a:solidFill>
-                  <a:srgbClr val="C00000"/>
-                </a:solidFill>
-              </a:rPr>
-              <a:t>--allow-change-held-packages</a:t>
-            </a:r>
-          </a:p>
-          <a:p>
-            <a:pPr marL="342900" indent="-342900" algn="l">
-              <a:buClr>
-                <a:srgbClr val="0070C0"/>
-              </a:buClr>
-              <a:buSzPct val="80000"/>
-              <a:buFont typeface="Wingdings" pitchFamily="2" charset="2"/>
-              <a:buChar char="u"/>
-            </a:pPr>
-            <a:r>
-              <a:rPr lang="en-US" sz="1800" dirty="0">
-                <a:solidFill>
-                  <a:schemeClr val="tx1"/>
-                </a:solidFill>
-              </a:rPr>
-              <a:t>Note: The option “--allow-change-held-packages” is suggested from installation prompt error message.</a:t>
-            </a:r>
           </a:p>
         </p:txBody>
       </p:sp>
@@ -13121,7 +13367,7 @@
             <a:fld id="{A4F910E6-8D00-4BAF-8C48-9688E0B449D3}" type="datetime1">
               <a:rPr lang="zh-TW" altLang="en-US" smtClean="0"/>
               <a:pPr/>
-              <a:t>2022/11/16</a:t>
+              <a:t>2022/11/19</a:t>
             </a:fld>
             <a:endParaRPr lang="zh-TW" altLang="en-US"/>
           </a:p>
@@ -13145,7 +13391,7 @@
             <a:fld id="{E4D7E63D-91F2-4366-A2C4-1B00C9E2590E}" type="slidenum">
               <a:rPr lang="zh-TW" altLang="en-US" smtClean="0"/>
               <a:pPr/>
-              <a:t>26</a:t>
+              <a:t>27</a:t>
             </a:fld>
             <a:endParaRPr lang="zh-TW" altLang="en-US"/>
           </a:p>
@@ -13390,7 +13636,7 @@
 </p:sld>
 </file>
 
-<file path=ppt/slides/slide27.xml><?xml version="1.0" encoding="utf-8"?>
+<file path=ppt/slides/slide28.xml><?xml version="1.0" encoding="utf-8"?>
 <p:sld xmlns:a="http://schemas.openxmlformats.org/drawingml/2006/main" xmlns:r="http://schemas.openxmlformats.org/officeDocument/2006/relationships" xmlns:p="http://schemas.openxmlformats.org/presentationml/2006/main">
   <p:cSld>
     <p:spTree>
@@ -13550,7 +13796,7 @@
                   <a:srgbClr val="000000"/>
                 </a:solidFill>
               </a:rPr>
-              <a:t>&gt; vi /etc/system/system/kubelet.service.d/10-kubeadm.conf</a:t>
+              <a:t>&gt; vi /etc/systemd/system/kubelet.service.d/10-kubeadm.conf</a:t>
             </a:r>
           </a:p>
           <a:p>
@@ -13689,7 +13935,7 @@
             <a:fld id="{A4F910E6-8D00-4BAF-8C48-9688E0B449D3}" type="datetime1">
               <a:rPr lang="zh-TW" altLang="en-US" smtClean="0"/>
               <a:pPr/>
-              <a:t>2022/11/16</a:t>
+              <a:t>2022/11/19</a:t>
             </a:fld>
             <a:endParaRPr lang="zh-TW" altLang="en-US"/>
           </a:p>
@@ -13713,7 +13959,7 @@
             <a:fld id="{E4D7E63D-91F2-4366-A2C4-1B00C9E2590E}" type="slidenum">
               <a:rPr lang="zh-TW" altLang="en-US" smtClean="0"/>
               <a:pPr/>
-              <a:t>27</a:t>
+              <a:t>28</a:t>
             </a:fld>
             <a:endParaRPr lang="zh-TW" altLang="en-US"/>
           </a:p>
@@ -13906,7 +14152,7 @@
 </p:sld>
 </file>
 
-<file path=ppt/slides/slide28.xml><?xml version="1.0" encoding="utf-8"?>
+<file path=ppt/slides/slide29.xml><?xml version="1.0" encoding="utf-8"?>
 <p:sld xmlns:a="http://schemas.openxmlformats.org/drawingml/2006/main" xmlns:r="http://schemas.openxmlformats.org/officeDocument/2006/relationships" xmlns:p="http://schemas.openxmlformats.org/presentationml/2006/main">
   <p:cSld>
     <p:spTree>
@@ -13923,6 +14169,36 @@
           <a:chExt cx="0" cy="0"/>
         </a:xfrm>
       </p:grpSpPr>
+      <p:pic>
+        <p:nvPicPr>
+          <p:cNvPr id="8" name="Picture 7">
+            <a:extLst>
+              <a:ext uri="{FF2B5EF4-FFF2-40B4-BE49-F238E27FC236}">
+                <a16:creationId xmlns:a16="http://schemas.microsoft.com/office/drawing/2014/main" id="{AE2796E7-B0B7-511F-1834-AC9C81473560}"/>
+              </a:ext>
+            </a:extLst>
+          </p:cNvPr>
+          <p:cNvPicPr>
+            <a:picLocks noChangeAspect="1"/>
+          </p:cNvPicPr>
+          <p:nvPr/>
+        </p:nvPicPr>
+        <p:blipFill>
+          <a:blip r:embed="rId2"/>
+          <a:stretch>
+            <a:fillRect/>
+          </a:stretch>
+        </p:blipFill>
+        <p:spPr>
+          <a:xfrm>
+            <a:off x="2034420" y="4410675"/>
+            <a:ext cx="4511275" cy="2583609"/>
+          </a:xfrm>
+          <a:prstGeom prst="rect">
+            <a:avLst/>
+          </a:prstGeom>
+        </p:spPr>
+      </p:pic>
       <p:sp>
         <p:nvSpPr>
           <p:cNvPr id="2" name="標題 1"/>
@@ -14205,7 +14481,7 @@
             <a:fld id="{A4F910E6-8D00-4BAF-8C48-9688E0B449D3}" type="datetime1">
               <a:rPr lang="zh-TW" altLang="en-US" smtClean="0"/>
               <a:pPr/>
-              <a:t>2022/11/16</a:t>
+              <a:t>2022/11/19</a:t>
             </a:fld>
             <a:endParaRPr lang="zh-TW" altLang="en-US"/>
           </a:p>
@@ -14229,7 +14505,7 @@
             <a:fld id="{E4D7E63D-91F2-4366-A2C4-1B00C9E2590E}" type="slidenum">
               <a:rPr lang="zh-TW" altLang="en-US" smtClean="0"/>
               <a:pPr/>
-              <a:t>28</a:t>
+              <a:t>29</a:t>
             </a:fld>
             <a:endParaRPr lang="zh-TW" altLang="en-US"/>
           </a:p>
@@ -14250,7 +14526,7 @@
           <p:nvPr/>
         </p:nvPicPr>
         <p:blipFill>
-          <a:blip r:embed="rId2"/>
+          <a:blip r:embed="rId3"/>
           <a:stretch>
             <a:fillRect/>
           </a:stretch>
@@ -14322,41 +14598,6 @@
           </a:p>
         </p:txBody>
       </p:sp>
-      <p:pic>
-        <p:nvPicPr>
-          <p:cNvPr id="16" name="Picture 15">
-            <a:extLst>
-              <a:ext uri="{FF2B5EF4-FFF2-40B4-BE49-F238E27FC236}">
-                <a16:creationId xmlns:a16="http://schemas.microsoft.com/office/drawing/2014/main" id="{690AE755-7EA5-7B4D-CCD4-523D1D8EF762}"/>
-              </a:ext>
-            </a:extLst>
-          </p:cNvPr>
-          <p:cNvPicPr>
-            <a:picLocks noChangeAspect="1"/>
-          </p:cNvPicPr>
-          <p:nvPr/>
-        </p:nvPicPr>
-        <p:blipFill>
-          <a:blip r:embed="rId3"/>
-          <a:stretch>
-            <a:fillRect/>
-          </a:stretch>
-        </p:blipFill>
-        <p:spPr>
-          <a:xfrm>
-            <a:off x="258807" y="4619277"/>
-            <a:ext cx="8129618" cy="1797458"/>
-          </a:xfrm>
-          <a:prstGeom prst="rect">
-            <a:avLst/>
-          </a:prstGeom>
-          <a:ln>
-            <a:solidFill>
-              <a:srgbClr val="C00000"/>
-            </a:solidFill>
-          </a:ln>
-        </p:spPr>
-      </p:pic>
       <p:sp>
         <p:nvSpPr>
           <p:cNvPr id="17" name="Rectangle 16">
@@ -14371,7 +14612,7 @@
         </p:nvSpPr>
         <p:spPr>
           <a:xfrm>
-            <a:off x="257234" y="5323691"/>
+            <a:off x="2065505" y="5343812"/>
             <a:ext cx="3672408" cy="216024"/>
           </a:xfrm>
           <a:prstGeom prst="rect">
@@ -14422,7 +14663,7 @@
 </p:sld>
 </file>
 
-<file path=ppt/slides/slide29.xml><?xml version="1.0" encoding="utf-8"?>
+<file path=ppt/slides/slide3.xml><?xml version="1.0" encoding="utf-8"?>
 <p:sld xmlns:a="http://schemas.openxmlformats.org/drawingml/2006/main" xmlns:r="http://schemas.openxmlformats.org/officeDocument/2006/relationships" xmlns:p="http://schemas.openxmlformats.org/presentationml/2006/main">
   <p:cSld>
     <p:spTree>
@@ -14483,7 +14724,7 @@
         </p:spPr>
         <p:txBody>
           <a:bodyPr>
-            <a:normAutofit fontScale="90000"/>
+            <a:normAutofit/>
           </a:bodyPr>
           <a:lstStyle/>
           <a:p>
@@ -14494,7 +14735,7 @@
                   <a:srgbClr val="FFFF00"/>
                 </a:solidFill>
               </a:rPr>
-              <a:t>1.5 Install Kubeadm, Kubelet, and Kubectl</a:t>
+              <a:t>1 Install on Both Master/Slave: Slave</a:t>
             </a:r>
             <a:endParaRPr lang="zh-TW" altLang="en-US" b="1" dirty="0">
               <a:solidFill>
@@ -14516,8 +14757,8 @@
         </p:nvSpPr>
         <p:spPr>
           <a:xfrm>
-            <a:off x="145353" y="1248460"/>
-            <a:ext cx="8541447" cy="740380"/>
+            <a:off x="316022" y="1224078"/>
+            <a:ext cx="8504449" cy="2132913"/>
           </a:xfrm>
           <a:ln>
             <a:solidFill>
@@ -14546,7 +14787,7 @@
                 </a:solidFill>
                 <a:effectLst/>
               </a:rPr>
-              <a:t>Finished Master and Slave (12:07/27:56)</a:t>
+              <a:t>Install for Both Master and Slave: Slave</a:t>
             </a:r>
           </a:p>
           <a:p>
@@ -14561,15 +14802,99 @@
             <a:r>
               <a:rPr lang="en-US" sz="1800" dirty="0">
                 <a:solidFill>
-                  <a:srgbClr val="000000"/>
+                  <a:schemeClr val="tx1"/>
                 </a:solidFill>
               </a:rPr>
-              <a:t>Now, we have same installation for Master.</a:t>
-            </a:r>
-            <a:endParaRPr lang="en-US" sz="1800" dirty="0">
+              <a:t>We have done the Master installation.</a:t>
+            </a:r>
+          </a:p>
+          <a:p>
+            <a:pPr marL="342900" indent="-342900" algn="l">
+              <a:buClr>
+                <a:srgbClr val="0070C0"/>
+              </a:buClr>
+              <a:buSzPct val="80000"/>
+              <a:buFont typeface="Wingdings" pitchFamily="2" charset="2"/>
+              <a:buChar char="u"/>
+            </a:pPr>
+            <a:r>
+              <a:rPr lang="en-US" sz="1800" i="0" dirty="0">
+                <a:solidFill>
+                  <a:schemeClr val="tx1"/>
+                </a:solidFill>
+                <a:effectLst/>
+              </a:rPr>
+              <a:t>We will use the same command for salve.</a:t>
+            </a:r>
+          </a:p>
+          <a:p>
+            <a:pPr marL="342900" indent="-342900" algn="l">
+              <a:buClr>
+                <a:srgbClr val="0070C0"/>
+              </a:buClr>
+              <a:buSzPct val="80000"/>
+              <a:buFont typeface="Wingdings" pitchFamily="2" charset="2"/>
+              <a:buChar char="u"/>
+            </a:pPr>
+            <a:r>
+              <a:rPr lang="en-US" sz="1800" dirty="0">
+                <a:solidFill>
+                  <a:schemeClr val="tx1"/>
+                </a:solidFill>
+              </a:rPr>
+              <a:t>We change from</a:t>
+            </a:r>
+          </a:p>
+          <a:p>
+            <a:pPr marL="342900" indent="-342900" algn="l">
+              <a:buClr>
+                <a:srgbClr val="0070C0"/>
+              </a:buClr>
+              <a:buSzPct val="80000"/>
+              <a:buFont typeface="Wingdings" pitchFamily="2" charset="2"/>
+              <a:buChar char="u"/>
+            </a:pPr>
+            <a:r>
+              <a:rPr lang="en-US" sz="1800" dirty="0">
+                <a:solidFill>
+                  <a:schemeClr val="tx1"/>
+                </a:solidFill>
+              </a:rPr>
+              <a:t>1. “knode” (Kubernetes master) into “knode” (kubernetes slave).</a:t>
+            </a:r>
+          </a:p>
+          <a:p>
+            <a:pPr marL="342900" indent="-342900" algn="l">
+              <a:buClr>
+                <a:srgbClr val="0070C0"/>
+              </a:buClr>
+              <a:buSzPct val="80000"/>
+              <a:buFont typeface="Wingdings" pitchFamily="2" charset="2"/>
+              <a:buChar char="u"/>
+            </a:pPr>
+            <a:r>
+              <a:rPr lang="en-US" sz="1800" dirty="0">
+                <a:solidFill>
+                  <a:schemeClr val="tx1"/>
+                </a:solidFill>
+              </a:rPr>
+              <a:t>2. Assign different static IP address depending on the Slave machine.  </a:t>
+            </a:r>
+          </a:p>
+          <a:p>
+            <a:pPr marL="342900" indent="-342900" algn="l">
+              <a:buClr>
+                <a:srgbClr val="0070C0"/>
+              </a:buClr>
+              <a:buSzPct val="80000"/>
+              <a:buFont typeface="Wingdings" pitchFamily="2" charset="2"/>
+              <a:buChar char="u"/>
+            </a:pPr>
+            <a:endParaRPr lang="en-US" sz="1800" i="0" dirty="0">
               <a:solidFill>
                 <a:schemeClr val="tx1"/>
               </a:solidFill>
+              <a:effectLst/>
             </a:endParaRPr>
           </a:p>
         </p:txBody>
@@ -14667,379 +14992,7 @@
             <a:fld id="{A4F910E6-8D00-4BAF-8C48-9688E0B449D3}" type="datetime1">
               <a:rPr lang="zh-TW" altLang="en-US" smtClean="0"/>
               <a:pPr/>
-              <a:t>2022/11/16</a:t>
-            </a:fld>
-            <a:endParaRPr lang="zh-TW" altLang="en-US"/>
-          </a:p>
-        </p:txBody>
-      </p:sp>
-      <p:sp>
-        <p:nvSpPr>
-          <p:cNvPr id="6" name="投影片編號版面配置區 5"/>
-          <p:cNvSpPr>
-            <a:spLocks noGrp="1"/>
-          </p:cNvSpPr>
-          <p:nvPr>
-            <p:ph type="sldNum" sz="quarter" idx="12"/>
-          </p:nvPr>
-        </p:nvSpPr>
-        <p:spPr/>
-        <p:txBody>
-          <a:bodyPr/>
-          <a:lstStyle/>
-          <a:p>
-            <a:fld id="{E4D7E63D-91F2-4366-A2C4-1B00C9E2590E}" type="slidenum">
-              <a:rPr lang="zh-TW" altLang="en-US" smtClean="0"/>
-              <a:pPr/>
-              <a:t>29</a:t>
-            </a:fld>
-            <a:endParaRPr lang="zh-TW" altLang="en-US"/>
-          </a:p>
-        </p:txBody>
-      </p:sp>
-    </p:spTree>
-    <p:extLst>
-      <p:ext uri="{BB962C8B-B14F-4D97-AF65-F5344CB8AC3E}">
-        <p14:creationId xmlns:p14="http://schemas.microsoft.com/office/powerpoint/2010/main" val="3410430000"/>
-      </p:ext>
-    </p:extLst>
-  </p:cSld>
-  <p:clrMapOvr>
-    <a:masterClrMapping/>
-  </p:clrMapOvr>
-</p:sld>
-</file>
-
-<file path=ppt/slides/slide3.xml><?xml version="1.0" encoding="utf-8"?>
-<p:sld xmlns:a="http://schemas.openxmlformats.org/drawingml/2006/main" xmlns:r="http://schemas.openxmlformats.org/officeDocument/2006/relationships" xmlns:p="http://schemas.openxmlformats.org/presentationml/2006/main">
-  <p:cSld>
-    <p:spTree>
-      <p:nvGrpSpPr>
-        <p:cNvPr id="1" name=""/>
-        <p:cNvGrpSpPr/>
-        <p:nvPr/>
-      </p:nvGrpSpPr>
-      <p:grpSpPr>
-        <a:xfrm>
-          <a:off x="0" y="0"/>
-          <a:ext cx="0" cy="0"/>
-          <a:chOff x="0" y="0"/>
-          <a:chExt cx="0" cy="0"/>
-        </a:xfrm>
-      </p:grpSpPr>
-      <p:sp>
-        <p:nvSpPr>
-          <p:cNvPr id="2" name="標題 1"/>
-          <p:cNvSpPr>
-            <a:spLocks noGrp="1"/>
-          </p:cNvSpPr>
-          <p:nvPr>
-            <p:ph type="ctrTitle"/>
-          </p:nvPr>
-        </p:nvSpPr>
-        <p:spPr>
-          <a:xfrm>
-            <a:off x="0" y="1"/>
-            <a:ext cx="9144000" cy="764704"/>
-          </a:xfrm>
-          <a:gradFill flip="none" rotWithShape="1">
-            <a:gsLst>
-              <a:gs pos="0">
-                <a:srgbClr val="C00000">
-                  <a:shade val="30000"/>
-                  <a:satMod val="115000"/>
-                </a:srgbClr>
-              </a:gs>
-              <a:gs pos="50000">
-                <a:srgbClr val="C00000">
-                  <a:shade val="67500"/>
-                  <a:satMod val="115000"/>
-                </a:srgbClr>
-              </a:gs>
-              <a:gs pos="100000">
-                <a:srgbClr val="C00000">
-                  <a:shade val="100000"/>
-                  <a:satMod val="115000"/>
-                </a:srgbClr>
-              </a:gs>
-            </a:gsLst>
-            <a:path path="circle">
-              <a:fillToRect t="100000" r="100000"/>
-            </a:path>
-            <a:tileRect l="-100000" b="-100000"/>
-          </a:gradFill>
-        </p:spPr>
-        <p:txBody>
-          <a:bodyPr>
-            <a:normAutofit/>
-          </a:bodyPr>
-          <a:lstStyle/>
-          <a:p>
-            <a:pPr algn="l"/>
-            <a:r>
-              <a:rPr lang="en-US" altLang="zh-TW" sz="4400" b="1" dirty="0">
-                <a:solidFill>
-                  <a:srgbClr val="FFFF00"/>
-                </a:solidFill>
-              </a:rPr>
-              <a:t>1 Install on Both Master/Slave: Slave</a:t>
-            </a:r>
-            <a:endParaRPr lang="zh-TW" altLang="en-US" b="1" dirty="0">
-              <a:solidFill>
-                <a:srgbClr val="FFFF00"/>
-              </a:solidFill>
-            </a:endParaRPr>
-          </a:p>
-        </p:txBody>
-      </p:sp>
-      <p:sp>
-        <p:nvSpPr>
-          <p:cNvPr id="3" name="副標題 2"/>
-          <p:cNvSpPr>
-            <a:spLocks noGrp="1"/>
-          </p:cNvSpPr>
-          <p:nvPr>
-            <p:ph type="subTitle" idx="1"/>
-          </p:nvPr>
-        </p:nvSpPr>
-        <p:spPr>
-          <a:xfrm>
-            <a:off x="316022" y="1224078"/>
-            <a:ext cx="8504449" cy="2132913"/>
-          </a:xfrm>
-          <a:ln>
-            <a:solidFill>
-              <a:srgbClr val="C00000"/>
-            </a:solidFill>
-          </a:ln>
-        </p:spPr>
-        <p:txBody>
-          <a:bodyPr>
-            <a:noAutofit/>
-          </a:bodyPr>
-          <a:lstStyle/>
-          <a:p>
-            <a:pPr marL="342900" indent="-342900" algn="l">
-              <a:buClr>
-                <a:srgbClr val="0070C0"/>
-              </a:buClr>
-              <a:buSzPct val="80000"/>
-              <a:buFont typeface="Wingdings" pitchFamily="2" charset="2"/>
-              <a:buChar char="u"/>
-            </a:pPr>
-            <a:r>
-              <a:rPr lang="en-US" sz="1800" b="1" i="0" dirty="0">
-                <a:solidFill>
-                  <a:srgbClr val="C00000"/>
-                </a:solidFill>
-                <a:effectLst/>
-              </a:rPr>
-              <a:t>Install for Both Master and Slave: Slave</a:t>
-            </a:r>
-          </a:p>
-          <a:p>
-            <a:pPr marL="342900" indent="-342900" algn="l">
-              <a:buClr>
-                <a:srgbClr val="0070C0"/>
-              </a:buClr>
-              <a:buSzPct val="80000"/>
-              <a:buFont typeface="Wingdings" pitchFamily="2" charset="2"/>
-              <a:buChar char="u"/>
-            </a:pPr>
-            <a:r>
-              <a:rPr lang="en-US" sz="1800" dirty="0">
-                <a:solidFill>
-                  <a:schemeClr val="tx1"/>
-                </a:solidFill>
-              </a:rPr>
-              <a:t>We have done the Master installation.</a:t>
-            </a:r>
-          </a:p>
-          <a:p>
-            <a:pPr marL="342900" indent="-342900" algn="l">
-              <a:buClr>
-                <a:srgbClr val="0070C0"/>
-              </a:buClr>
-              <a:buSzPct val="80000"/>
-              <a:buFont typeface="Wingdings" pitchFamily="2" charset="2"/>
-              <a:buChar char="u"/>
-            </a:pPr>
-            <a:r>
-              <a:rPr lang="en-US" sz="1800" i="0" dirty="0">
-                <a:solidFill>
-                  <a:schemeClr val="tx1"/>
-                </a:solidFill>
-                <a:effectLst/>
-              </a:rPr>
-              <a:t>We will use the same command for salve.</a:t>
-            </a:r>
-          </a:p>
-          <a:p>
-            <a:pPr marL="342900" indent="-342900" algn="l">
-              <a:buClr>
-                <a:srgbClr val="0070C0"/>
-              </a:buClr>
-              <a:buSzPct val="80000"/>
-              <a:buFont typeface="Wingdings" pitchFamily="2" charset="2"/>
-              <a:buChar char="u"/>
-            </a:pPr>
-            <a:r>
-              <a:rPr lang="en-US" sz="1800" dirty="0">
-                <a:solidFill>
-                  <a:schemeClr val="tx1"/>
-                </a:solidFill>
-              </a:rPr>
-              <a:t>We change from</a:t>
-            </a:r>
-          </a:p>
-          <a:p>
-            <a:pPr marL="342900" indent="-342900" algn="l">
-              <a:buClr>
-                <a:srgbClr val="0070C0"/>
-              </a:buClr>
-              <a:buSzPct val="80000"/>
-              <a:buFont typeface="Wingdings" pitchFamily="2" charset="2"/>
-              <a:buChar char="u"/>
-            </a:pPr>
-            <a:r>
-              <a:rPr lang="en-US" sz="1800" dirty="0">
-                <a:solidFill>
-                  <a:schemeClr val="tx1"/>
-                </a:solidFill>
-              </a:rPr>
-              <a:t>1. “knode” (Kubernetes master) into “knode” (kubernetes slave).</a:t>
-            </a:r>
-          </a:p>
-          <a:p>
-            <a:pPr marL="342900" indent="-342900" algn="l">
-              <a:buClr>
-                <a:srgbClr val="0070C0"/>
-              </a:buClr>
-              <a:buSzPct val="80000"/>
-              <a:buFont typeface="Wingdings" pitchFamily="2" charset="2"/>
-              <a:buChar char="u"/>
-            </a:pPr>
-            <a:r>
-              <a:rPr lang="en-US" sz="1800" dirty="0">
-                <a:solidFill>
-                  <a:schemeClr val="tx1"/>
-                </a:solidFill>
-              </a:rPr>
-              <a:t>2. Assign different static IP address depending on the Slave machine.  </a:t>
-            </a:r>
-          </a:p>
-          <a:p>
-            <a:pPr marL="342900" indent="-342900" algn="l">
-              <a:buClr>
-                <a:srgbClr val="0070C0"/>
-              </a:buClr>
-              <a:buSzPct val="80000"/>
-              <a:buFont typeface="Wingdings" pitchFamily="2" charset="2"/>
-              <a:buChar char="u"/>
-            </a:pPr>
-            <a:endParaRPr lang="en-US" sz="1800" i="0" dirty="0">
-              <a:solidFill>
-                <a:schemeClr val="tx1"/>
-              </a:solidFill>
-              <a:effectLst/>
-            </a:endParaRPr>
-          </a:p>
-        </p:txBody>
-      </p:sp>
-      <p:sp>
-        <p:nvSpPr>
-          <p:cNvPr id="4" name="標題 1"/>
-          <p:cNvSpPr txBox="1">
-            <a:spLocks/>
-          </p:cNvSpPr>
-          <p:nvPr/>
-        </p:nvSpPr>
-        <p:spPr>
-          <a:xfrm>
-            <a:off x="0" y="764704"/>
-            <a:ext cx="9144000" cy="360040"/>
-          </a:xfrm>
-          <a:prstGeom prst="rect">
-            <a:avLst/>
-          </a:prstGeom>
-          <a:gradFill flip="none" rotWithShape="1">
-            <a:gsLst>
-              <a:gs pos="0">
-                <a:srgbClr val="00B0F0">
-                  <a:shade val="30000"/>
-                  <a:satMod val="115000"/>
-                </a:srgbClr>
-              </a:gs>
-              <a:gs pos="50000">
-                <a:srgbClr val="00B0F0">
-                  <a:shade val="67500"/>
-                  <a:satMod val="115000"/>
-                </a:srgbClr>
-              </a:gs>
-              <a:gs pos="100000">
-                <a:srgbClr val="00B0F0">
-                  <a:shade val="100000"/>
-                  <a:satMod val="115000"/>
-                </a:srgbClr>
-              </a:gs>
-            </a:gsLst>
-            <a:path path="circle">
-              <a:fillToRect t="100000" r="100000"/>
-            </a:path>
-            <a:tileRect l="-100000" b="-100000"/>
-          </a:gradFill>
-        </p:spPr>
-        <p:txBody>
-          <a:bodyPr vert="horz" lIns="91440" tIns="45720" rIns="91440" bIns="45720" rtlCol="0" anchor="ctr">
-            <a:normAutofit/>
-          </a:bodyPr>
-          <a:lstStyle/>
-          <a:p>
-            <a:pPr lvl="0">
-              <a:spcBef>
-                <a:spcPct val="0"/>
-              </a:spcBef>
-            </a:pPr>
-            <a:r>
-              <a:rPr lang="en-US" sz="1600" dirty="0"/>
-              <a:t>https://www.youtube.com/watch?v=UWg3ORRRF60</a:t>
-            </a:r>
-            <a:endParaRPr kumimoji="0" lang="zh-TW" altLang="en-US" sz="1600" b="0" i="0" u="none" strike="noStrike" kern="1200" cap="none" spc="0" normalizeH="0" baseline="0" noProof="0" dirty="0">
-              <a:ln>
-                <a:noFill/>
-              </a:ln>
-              <a:solidFill>
-                <a:schemeClr val="tx1"/>
-              </a:solidFill>
-              <a:effectLst/>
-              <a:uLnTx/>
-              <a:uFillTx/>
-              <a:latin typeface="+mj-lt"/>
-              <a:ea typeface="+mj-ea"/>
-              <a:cs typeface="+mj-cs"/>
-            </a:endParaRPr>
-          </a:p>
-        </p:txBody>
-      </p:sp>
-      <p:sp>
-        <p:nvSpPr>
-          <p:cNvPr id="5" name="日期版面配置區 4"/>
-          <p:cNvSpPr>
-            <a:spLocks noGrp="1"/>
-          </p:cNvSpPr>
-          <p:nvPr>
-            <p:ph type="dt" sz="half" idx="10"/>
-          </p:nvPr>
-        </p:nvSpPr>
-        <p:spPr/>
-        <p:txBody>
-          <a:bodyPr/>
-          <a:lstStyle/>
-          <a:p>
-            <a:fld id="{A4F910E6-8D00-4BAF-8C48-9688E0B449D3}" type="datetime1">
-              <a:rPr lang="zh-TW" altLang="en-US" smtClean="0"/>
-              <a:pPr/>
-              <a:t>2022/11/16</a:t>
+              <a:t>2022/11/19</a:t>
             </a:fld>
             <a:endParaRPr lang="zh-TW" altLang="en-US"/>
           </a:p>
@@ -15490,6 +15443,302 @@
         </p:nvSpPr>
         <p:spPr>
           <a:xfrm>
+            <a:off x="0" y="1"/>
+            <a:ext cx="9144000" cy="764704"/>
+          </a:xfrm>
+          <a:gradFill flip="none" rotWithShape="1">
+            <a:gsLst>
+              <a:gs pos="0">
+                <a:srgbClr val="C00000">
+                  <a:shade val="30000"/>
+                  <a:satMod val="115000"/>
+                </a:srgbClr>
+              </a:gs>
+              <a:gs pos="50000">
+                <a:srgbClr val="C00000">
+                  <a:shade val="67500"/>
+                  <a:satMod val="115000"/>
+                </a:srgbClr>
+              </a:gs>
+              <a:gs pos="100000">
+                <a:srgbClr val="C00000">
+                  <a:shade val="100000"/>
+                  <a:satMod val="115000"/>
+                </a:srgbClr>
+              </a:gs>
+            </a:gsLst>
+            <a:path path="circle">
+              <a:fillToRect t="100000" r="100000"/>
+            </a:path>
+            <a:tileRect l="-100000" b="-100000"/>
+          </a:gradFill>
+        </p:spPr>
+        <p:txBody>
+          <a:bodyPr>
+            <a:normAutofit fontScale="90000"/>
+          </a:bodyPr>
+          <a:lstStyle/>
+          <a:p>
+            <a:pPr algn="l"/>
+            <a:r>
+              <a:rPr lang="en-US" altLang="zh-TW" sz="4400" b="1" dirty="0">
+                <a:solidFill>
+                  <a:srgbClr val="FFFF00"/>
+                </a:solidFill>
+              </a:rPr>
+              <a:t>1.5 Install Kubeadm, Kubelet, and Kubectl</a:t>
+            </a:r>
+            <a:endParaRPr lang="zh-TW" altLang="en-US" b="1" dirty="0">
+              <a:solidFill>
+                <a:srgbClr val="FFFF00"/>
+              </a:solidFill>
+            </a:endParaRPr>
+          </a:p>
+        </p:txBody>
+      </p:sp>
+      <p:sp>
+        <p:nvSpPr>
+          <p:cNvPr id="3" name="副標題 2"/>
+          <p:cNvSpPr>
+            <a:spLocks noGrp="1"/>
+          </p:cNvSpPr>
+          <p:nvPr>
+            <p:ph type="subTitle" idx="1"/>
+          </p:nvPr>
+        </p:nvSpPr>
+        <p:spPr>
+          <a:xfrm>
+            <a:off x="145353" y="1248460"/>
+            <a:ext cx="8541447" cy="740380"/>
+          </a:xfrm>
+          <a:ln>
+            <a:solidFill>
+              <a:srgbClr val="C00000"/>
+            </a:solidFill>
+          </a:ln>
+        </p:spPr>
+        <p:txBody>
+          <a:bodyPr>
+            <a:noAutofit/>
+          </a:bodyPr>
+          <a:lstStyle/>
+          <a:p>
+            <a:pPr marL="342900" indent="-342900" algn="l">
+              <a:buClr>
+                <a:srgbClr val="0070C0"/>
+              </a:buClr>
+              <a:buSzPct val="80000"/>
+              <a:buFont typeface="Wingdings" pitchFamily="2" charset="2"/>
+              <a:buChar char="u"/>
+            </a:pPr>
+            <a:r>
+              <a:rPr lang="en-US" sz="1800" b="1" i="0" dirty="0">
+                <a:solidFill>
+                  <a:srgbClr val="C00000"/>
+                </a:solidFill>
+                <a:effectLst/>
+              </a:rPr>
+              <a:t>Finished Master and Slave (12:07/27:56)</a:t>
+            </a:r>
+          </a:p>
+          <a:p>
+            <a:pPr marL="342900" indent="-342900" algn="l">
+              <a:buClr>
+                <a:srgbClr val="0070C0"/>
+              </a:buClr>
+              <a:buSzPct val="80000"/>
+              <a:buFont typeface="Wingdings" pitchFamily="2" charset="2"/>
+              <a:buChar char="u"/>
+            </a:pPr>
+            <a:r>
+              <a:rPr lang="en-US" sz="1800" dirty="0">
+                <a:solidFill>
+                  <a:srgbClr val="000000"/>
+                </a:solidFill>
+              </a:rPr>
+              <a:t>Now, we have done installation to </a:t>
+            </a:r>
+            <a:r>
+              <a:rPr lang="en-US" sz="1800">
+                <a:solidFill>
+                  <a:srgbClr val="000000"/>
+                </a:solidFill>
+              </a:rPr>
+              <a:t>install salve.</a:t>
+            </a:r>
+            <a:endParaRPr lang="en-US" sz="1800" dirty="0">
+              <a:solidFill>
+                <a:schemeClr val="tx1"/>
+              </a:solidFill>
+            </a:endParaRPr>
+          </a:p>
+        </p:txBody>
+      </p:sp>
+      <p:sp>
+        <p:nvSpPr>
+          <p:cNvPr id="4" name="標題 1"/>
+          <p:cNvSpPr txBox="1">
+            <a:spLocks/>
+          </p:cNvSpPr>
+          <p:nvPr/>
+        </p:nvSpPr>
+        <p:spPr>
+          <a:xfrm>
+            <a:off x="0" y="764704"/>
+            <a:ext cx="9144000" cy="360040"/>
+          </a:xfrm>
+          <a:prstGeom prst="rect">
+            <a:avLst/>
+          </a:prstGeom>
+          <a:gradFill flip="none" rotWithShape="1">
+            <a:gsLst>
+              <a:gs pos="0">
+                <a:srgbClr val="00B0F0">
+                  <a:shade val="30000"/>
+                  <a:satMod val="115000"/>
+                </a:srgbClr>
+              </a:gs>
+              <a:gs pos="50000">
+                <a:srgbClr val="00B0F0">
+                  <a:shade val="67500"/>
+                  <a:satMod val="115000"/>
+                </a:srgbClr>
+              </a:gs>
+              <a:gs pos="100000">
+                <a:srgbClr val="00B0F0">
+                  <a:shade val="100000"/>
+                  <a:satMod val="115000"/>
+                </a:srgbClr>
+              </a:gs>
+            </a:gsLst>
+            <a:path path="circle">
+              <a:fillToRect t="100000" r="100000"/>
+            </a:path>
+            <a:tileRect l="-100000" b="-100000"/>
+          </a:gradFill>
+        </p:spPr>
+        <p:txBody>
+          <a:bodyPr vert="horz" lIns="91440" tIns="45720" rIns="91440" bIns="45720" rtlCol="0" anchor="ctr">
+            <a:normAutofit/>
+          </a:bodyPr>
+          <a:lstStyle/>
+          <a:p>
+            <a:pPr lvl="0">
+              <a:spcBef>
+                <a:spcPct val="0"/>
+              </a:spcBef>
+            </a:pPr>
+            <a:r>
+              <a:rPr lang="en-US" sz="1600" dirty="0"/>
+              <a:t>https://www.youtube.com/watch?v=UWg3ORRRF60</a:t>
+            </a:r>
+            <a:endParaRPr kumimoji="0" lang="zh-TW" altLang="en-US" sz="1600" b="0" i="0" u="none" strike="noStrike" kern="1200" cap="none" spc="0" normalizeH="0" baseline="0" noProof="0" dirty="0">
+              <a:ln>
+                <a:noFill/>
+              </a:ln>
+              <a:solidFill>
+                <a:schemeClr val="tx1"/>
+              </a:solidFill>
+              <a:effectLst/>
+              <a:uLnTx/>
+              <a:uFillTx/>
+              <a:latin typeface="+mj-lt"/>
+              <a:ea typeface="+mj-ea"/>
+              <a:cs typeface="+mj-cs"/>
+            </a:endParaRPr>
+          </a:p>
+        </p:txBody>
+      </p:sp>
+      <p:sp>
+        <p:nvSpPr>
+          <p:cNvPr id="5" name="日期版面配置區 4"/>
+          <p:cNvSpPr>
+            <a:spLocks noGrp="1"/>
+          </p:cNvSpPr>
+          <p:nvPr>
+            <p:ph type="dt" sz="half" idx="10"/>
+          </p:nvPr>
+        </p:nvSpPr>
+        <p:spPr/>
+        <p:txBody>
+          <a:bodyPr/>
+          <a:lstStyle/>
+          <a:p>
+            <a:fld id="{A4F910E6-8D00-4BAF-8C48-9688E0B449D3}" type="datetime1">
+              <a:rPr lang="zh-TW" altLang="en-US" smtClean="0"/>
+              <a:pPr/>
+              <a:t>2022/11/19</a:t>
+            </a:fld>
+            <a:endParaRPr lang="zh-TW" altLang="en-US"/>
+          </a:p>
+        </p:txBody>
+      </p:sp>
+      <p:sp>
+        <p:nvSpPr>
+          <p:cNvPr id="6" name="投影片編號版面配置區 5"/>
+          <p:cNvSpPr>
+            <a:spLocks noGrp="1"/>
+          </p:cNvSpPr>
+          <p:nvPr>
+            <p:ph type="sldNum" sz="quarter" idx="12"/>
+          </p:nvPr>
+        </p:nvSpPr>
+        <p:spPr/>
+        <p:txBody>
+          <a:bodyPr/>
+          <a:lstStyle/>
+          <a:p>
+            <a:fld id="{E4D7E63D-91F2-4366-A2C4-1B00C9E2590E}" type="slidenum">
+              <a:rPr lang="zh-TW" altLang="en-US" smtClean="0"/>
+              <a:pPr/>
+              <a:t>30</a:t>
+            </a:fld>
+            <a:endParaRPr lang="zh-TW" altLang="en-US"/>
+          </a:p>
+        </p:txBody>
+      </p:sp>
+    </p:spTree>
+    <p:extLst>
+      <p:ext uri="{BB962C8B-B14F-4D97-AF65-F5344CB8AC3E}">
+        <p14:creationId xmlns:p14="http://schemas.microsoft.com/office/powerpoint/2010/main" val="3410430000"/>
+      </p:ext>
+    </p:extLst>
+  </p:cSld>
+  <p:clrMapOvr>
+    <a:masterClrMapping/>
+  </p:clrMapOvr>
+</p:sld>
+</file>
+
+<file path=ppt/slides/slide31.xml><?xml version="1.0" encoding="utf-8"?>
+<p:sld xmlns:a="http://schemas.openxmlformats.org/drawingml/2006/main" xmlns:r="http://schemas.openxmlformats.org/officeDocument/2006/relationships" xmlns:p="http://schemas.openxmlformats.org/presentationml/2006/main">
+  <p:cSld>
+    <p:spTree>
+      <p:nvGrpSpPr>
+        <p:cNvPr id="1" name=""/>
+        <p:cNvGrpSpPr/>
+        <p:nvPr/>
+      </p:nvGrpSpPr>
+      <p:grpSpPr>
+        <a:xfrm>
+          <a:off x="0" y="0"/>
+          <a:ext cx="0" cy="0"/>
+          <a:chOff x="0" y="0"/>
+          <a:chExt cx="0" cy="0"/>
+        </a:xfrm>
+      </p:grpSpPr>
+      <p:sp>
+        <p:nvSpPr>
+          <p:cNvPr id="2" name="標題 1"/>
+          <p:cNvSpPr>
+            <a:spLocks noGrp="1"/>
+          </p:cNvSpPr>
+          <p:nvPr>
+            <p:ph type="ctrTitle"/>
+          </p:nvPr>
+        </p:nvSpPr>
+        <p:spPr>
+          <a:xfrm>
             <a:off x="0" y="2130425"/>
             <a:ext cx="9144000" cy="1470025"/>
           </a:xfrm>
@@ -15560,7 +15809,7 @@
             <a:fld id="{4E46BE27-E923-4EC2-B046-3272AE2A3E5C}" type="datetime1">
               <a:rPr lang="zh-TW" altLang="en-US" smtClean="0"/>
               <a:pPr/>
-              <a:t>2022/11/16</a:t>
+              <a:t>2022/11/19</a:t>
             </a:fld>
             <a:endParaRPr lang="zh-TW" altLang="en-US"/>
           </a:p>
@@ -15584,7 +15833,7 @@
             <a:fld id="{E4D7E63D-91F2-4366-A2C4-1B00C9E2590E}" type="slidenum">
               <a:rPr lang="zh-TW" altLang="en-US" smtClean="0"/>
               <a:pPr/>
-              <a:t>30</a:t>
+              <a:t>31</a:t>
             </a:fld>
             <a:endParaRPr lang="zh-TW" altLang="en-US"/>
           </a:p>
@@ -15674,7 +15923,7 @@
             <a:fld id="{C389EDC9-19E3-47AC-9C57-C6A24DEA81AD}" type="datetime1">
               <a:rPr lang="zh-TW" altLang="en-US" smtClean="0"/>
               <a:pPr/>
-              <a:t>2022/11/16</a:t>
+              <a:t>2022/11/19</a:t>
             </a:fld>
             <a:endParaRPr lang="zh-TW" altLang="en-US"/>
           </a:p>
@@ -15969,7 +16218,7 @@
             <a:fld id="{A4F910E6-8D00-4BAF-8C48-9688E0B449D3}" type="datetime1">
               <a:rPr lang="zh-TW" altLang="en-US" smtClean="0"/>
               <a:pPr/>
-              <a:t>2022/11/16</a:t>
+              <a:t>2022/11/19</a:t>
             </a:fld>
             <a:endParaRPr lang="zh-TW" altLang="en-US"/>
           </a:p>
@@ -16709,7 +16958,7 @@
             <a:fld id="{A4F910E6-8D00-4BAF-8C48-9688E0B449D3}" type="datetime1">
               <a:rPr lang="zh-TW" altLang="en-US" smtClean="0"/>
               <a:pPr/>
-              <a:t>2022/11/16</a:t>
+              <a:t>2022/11/19</a:t>
             </a:fld>
             <a:endParaRPr lang="zh-TW" altLang="en-US"/>
           </a:p>
@@ -16950,7 +17199,7 @@
             <a:fld id="{C389EDC9-19E3-47AC-9C57-C6A24DEA81AD}" type="datetime1">
               <a:rPr lang="zh-TW" altLang="en-US" smtClean="0"/>
               <a:pPr/>
-              <a:t>2022/11/16</a:t>
+              <a:t>2022/11/19</a:t>
             </a:fld>
             <a:endParaRPr lang="zh-TW" altLang="en-US"/>
           </a:p>
@@ -17245,7 +17494,7 @@
             <a:fld id="{A4F910E6-8D00-4BAF-8C48-9688E0B449D3}" type="datetime1">
               <a:rPr lang="zh-TW" altLang="en-US" smtClean="0"/>
               <a:pPr/>
-              <a:t>2022/11/16</a:t>
+              <a:t>2022/11/19</a:t>
             </a:fld>
             <a:endParaRPr lang="zh-TW" altLang="en-US"/>
           </a:p>
@@ -18063,7 +18312,7 @@
             <a:fld id="{A4F910E6-8D00-4BAF-8C48-9688E0B449D3}" type="datetime1">
               <a:rPr lang="zh-TW" altLang="en-US" smtClean="0"/>
               <a:pPr/>
-              <a:t>2022/11/16</a:t>
+              <a:t>2022/11/19</a:t>
             </a:fld>
             <a:endParaRPr lang="zh-TW" altLang="en-US"/>
           </a:p>

--- a/001_01_Install_MS_P02_Slave.pptx
+++ b/001_01_Install_MS_P02_Slave.pptx
@@ -239,7 +239,7 @@
             <a:fld id="{6837EDA8-41C8-4B24-A206-13C08A65A6D7}" type="datetimeFigureOut">
               <a:rPr lang="zh-TW" altLang="en-US" smtClean="0"/>
               <a:pPr/>
-              <a:t>2022/11/19</a:t>
+              <a:t>2022/11/20</a:t>
             </a:fld>
             <a:endParaRPr lang="zh-TW" altLang="en-US"/>
           </a:p>
@@ -692,7 +692,7 @@
             <a:fld id="{8B85509C-BD4F-47BF-9B1E-FC2E949B3621}" type="datetime1">
               <a:rPr lang="zh-TW" altLang="en-US" smtClean="0"/>
               <a:pPr/>
-              <a:t>2022/11/19</a:t>
+              <a:t>2022/11/20</a:t>
             </a:fld>
             <a:endParaRPr lang="zh-TW" altLang="en-US"/>
           </a:p>
@@ -865,7 +865,7 @@
             <a:fld id="{42251B24-F787-4C15-8A0F-7AEC20C70069}" type="datetime1">
               <a:rPr lang="zh-TW" altLang="en-US" smtClean="0"/>
               <a:pPr/>
-              <a:t>2022/11/19</a:t>
+              <a:t>2022/11/20</a:t>
             </a:fld>
             <a:endParaRPr lang="zh-TW" altLang="en-US"/>
           </a:p>
@@ -1040,7 +1040,7 @@
             <a:fld id="{9CA0D33C-CE2B-45F1-B8D4-FFD1F131F331}" type="datetime1">
               <a:rPr lang="zh-TW" altLang="en-US" smtClean="0"/>
               <a:pPr/>
-              <a:t>2022/11/19</a:t>
+              <a:t>2022/11/20</a:t>
             </a:fld>
             <a:endParaRPr lang="zh-TW" altLang="en-US"/>
           </a:p>
@@ -1205,7 +1205,7 @@
             <a:fld id="{50B99440-D9EF-40CC-9B52-F6428D9B2C76}" type="datetime1">
               <a:rPr lang="zh-TW" altLang="en-US" smtClean="0"/>
               <a:pPr/>
-              <a:t>2022/11/19</a:t>
+              <a:t>2022/11/20</a:t>
             </a:fld>
             <a:endParaRPr lang="zh-TW" altLang="en-US"/>
           </a:p>
@@ -1447,7 +1447,7 @@
             <a:fld id="{0871BF52-5C6C-4959-8E27-CECB68D39FE4}" type="datetime1">
               <a:rPr lang="zh-TW" altLang="en-US" smtClean="0"/>
               <a:pPr/>
-              <a:t>2022/11/19</a:t>
+              <a:t>2022/11/20</a:t>
             </a:fld>
             <a:endParaRPr lang="zh-TW" altLang="en-US"/>
           </a:p>
@@ -1729,7 +1729,7 @@
             <a:fld id="{DF863F05-2DD9-4EB1-A827-12FD992DE9DC}" type="datetime1">
               <a:rPr lang="zh-TW" altLang="en-US" smtClean="0"/>
               <a:pPr/>
-              <a:t>2022/11/19</a:t>
+              <a:t>2022/11/20</a:t>
             </a:fld>
             <a:endParaRPr lang="zh-TW" altLang="en-US"/>
           </a:p>
@@ -2145,7 +2145,7 @@
             <a:fld id="{6339AF51-4491-4873-A096-75DB6CE47516}" type="datetime1">
               <a:rPr lang="zh-TW" altLang="en-US" smtClean="0"/>
               <a:pPr/>
-              <a:t>2022/11/19</a:t>
+              <a:t>2022/11/20</a:t>
             </a:fld>
             <a:endParaRPr lang="zh-TW" altLang="en-US"/>
           </a:p>
@@ -2259,7 +2259,7 @@
             <a:fld id="{EE4AD9C8-8B9E-40FF-ABE2-858AC2057BBB}" type="datetime1">
               <a:rPr lang="zh-TW" altLang="en-US" smtClean="0"/>
               <a:pPr/>
-              <a:t>2022/11/19</a:t>
+              <a:t>2022/11/20</a:t>
             </a:fld>
             <a:endParaRPr lang="zh-TW" altLang="en-US"/>
           </a:p>
@@ -2351,7 +2351,7 @@
             <a:fld id="{B4784999-BBBE-4BE4-A8D0-877E7D1D66CC}" type="datetime1">
               <a:rPr lang="zh-TW" altLang="en-US" smtClean="0"/>
               <a:pPr/>
-              <a:t>2022/11/19</a:t>
+              <a:t>2022/11/20</a:t>
             </a:fld>
             <a:endParaRPr lang="zh-TW" altLang="en-US"/>
           </a:p>
@@ -2623,7 +2623,7 @@
             <a:fld id="{E88D17E6-02BD-4944-B9FE-7BFCCBF83D48}" type="datetime1">
               <a:rPr lang="zh-TW" altLang="en-US" smtClean="0"/>
               <a:pPr/>
-              <a:t>2022/11/19</a:t>
+              <a:t>2022/11/20</a:t>
             </a:fld>
             <a:endParaRPr lang="zh-TW" altLang="en-US"/>
           </a:p>
@@ -2872,7 +2872,7 @@
             <a:fld id="{3C13E23D-1FEF-4D78-A3A3-3D6F2BB31954}" type="datetime1">
               <a:rPr lang="zh-TW" altLang="en-US" smtClean="0"/>
               <a:pPr/>
-              <a:t>2022/11/19</a:t>
+              <a:t>2022/11/20</a:t>
             </a:fld>
             <a:endParaRPr lang="zh-TW" altLang="en-US"/>
           </a:p>
@@ -3080,7 +3080,7 @@
             <a:fld id="{06197F35-AD6F-4594-8B50-334492D2E7E8}" type="datetime1">
               <a:rPr lang="zh-TW" altLang="en-US" smtClean="0"/>
               <a:pPr/>
-              <a:t>2022/11/19</a:t>
+              <a:t>2022/11/20</a:t>
             </a:fld>
             <a:endParaRPr lang="zh-TW" altLang="en-US"/>
           </a:p>
@@ -3541,7 +3541,7 @@
             <a:fld id="{C389EDC9-19E3-47AC-9C57-C6A24DEA81AD}" type="datetime1">
               <a:rPr lang="zh-TW" altLang="en-US" smtClean="0"/>
               <a:pPr/>
-              <a:t>2022/11/19</a:t>
+              <a:t>2022/11/20</a:t>
             </a:fld>
             <a:endParaRPr lang="zh-TW" altLang="en-US"/>
           </a:p>
@@ -3685,7 +3685,7 @@
             <a:fld id="{C389EDC9-19E3-47AC-9C57-C6A24DEA81AD}" type="datetime1">
               <a:rPr lang="zh-TW" altLang="en-US" smtClean="0"/>
               <a:pPr/>
-              <a:t>2022/11/19</a:t>
+              <a:t>2022/11/20</a:t>
             </a:fld>
             <a:endParaRPr lang="zh-TW" altLang="en-US"/>
           </a:p>
@@ -3980,7 +3980,7 @@
             <a:fld id="{A4F910E6-8D00-4BAF-8C48-9688E0B449D3}" type="datetime1">
               <a:rPr lang="zh-TW" altLang="en-US" smtClean="0"/>
               <a:pPr/>
-              <a:t>2022/11/19</a:t>
+              <a:t>2022/11/20</a:t>
             </a:fld>
             <a:endParaRPr lang="zh-TW" altLang="en-US"/>
           </a:p>
@@ -4783,7 +4783,7 @@
             <a:fld id="{A4F910E6-8D00-4BAF-8C48-9688E0B449D3}" type="datetime1">
               <a:rPr lang="zh-TW" altLang="en-US" smtClean="0"/>
               <a:pPr/>
-              <a:t>2022/11/19</a:t>
+              <a:t>2022/11/20</a:t>
             </a:fld>
             <a:endParaRPr lang="zh-TW" altLang="en-US"/>
           </a:p>
@@ -5353,7 +5353,7 @@
             <a:fld id="{A4F910E6-8D00-4BAF-8C48-9688E0B449D3}" type="datetime1">
               <a:rPr lang="zh-TW" altLang="en-US" smtClean="0"/>
               <a:pPr/>
-              <a:t>2022/11/19</a:t>
+              <a:t>2022/11/20</a:t>
             </a:fld>
             <a:endParaRPr lang="zh-TW" altLang="en-US"/>
           </a:p>
@@ -5880,7 +5880,7 @@
             <a:fld id="{A4F910E6-8D00-4BAF-8C48-9688E0B449D3}" type="datetime1">
               <a:rPr lang="zh-TW" altLang="en-US" smtClean="0"/>
               <a:pPr/>
-              <a:t>2022/11/19</a:t>
+              <a:t>2022/11/20</a:t>
             </a:fld>
             <a:endParaRPr lang="zh-TW" altLang="en-US"/>
           </a:p>
@@ -6351,7 +6351,7 @@
             <a:fld id="{A4F910E6-8D00-4BAF-8C48-9688E0B449D3}" type="datetime1">
               <a:rPr lang="zh-TW" altLang="en-US" smtClean="0"/>
               <a:pPr/>
-              <a:t>2022/11/19</a:t>
+              <a:t>2022/11/20</a:t>
             </a:fld>
             <a:endParaRPr lang="zh-TW" altLang="en-US"/>
           </a:p>
@@ -7013,7 +7013,7 @@
             <a:fld id="{A4F910E6-8D00-4BAF-8C48-9688E0B449D3}" type="datetime1">
               <a:rPr lang="zh-TW" altLang="en-US" smtClean="0"/>
               <a:pPr/>
-              <a:t>2022/11/19</a:t>
+              <a:t>2022/11/20</a:t>
             </a:fld>
             <a:endParaRPr lang="zh-TW" altLang="en-US"/>
           </a:p>
@@ -7186,7 +7186,7 @@
         <p:spPr>
           <a:xfrm>
             <a:off x="297396" y="1262771"/>
-            <a:ext cx="2978460" cy="2310245"/>
+            <a:ext cx="3266492" cy="2910895"/>
           </a:xfrm>
           <a:ln>
             <a:solidFill>
@@ -7223,7 +7223,7 @@
                   <a:srgbClr val="C00000"/>
                 </a:solidFill>
               </a:rPr>
-              <a:t>hosts</a:t>
+              <a:t>hosts (15:03/27:56)</a:t>
             </a:r>
             <a:endParaRPr lang="en-US" sz="1800" b="1" i="0" dirty="0">
               <a:solidFill>
@@ -7283,7 +7283,7 @@
                   <a:srgbClr val="000000"/>
                 </a:solidFill>
               </a:rPr>
-              <a:t>&gt;&gt; # New knode 1</a:t>
+              <a:t>&gt;&gt; # Kmaster</a:t>
             </a:r>
           </a:p>
           <a:p>
@@ -7301,7 +7301,7 @@
                   <a:srgbClr val="000000"/>
                 </a:solidFill>
               </a:rPr>
-              <a:t>&gt;&gt; 10.0.2.15   knode1</a:t>
+              <a:t>&gt;&gt; 192.168.1.3    kmaster</a:t>
             </a:r>
           </a:p>
           <a:p>
@@ -7319,7 +7319,7 @@
                   <a:srgbClr val="000000"/>
                 </a:solidFill>
               </a:rPr>
-              <a:t>Then, we re-start the machine.</a:t>
+              <a:t>&gt;&gt; # New knode 1</a:t>
             </a:r>
           </a:p>
           <a:p>
@@ -7331,11 +7331,32 @@
               <a:buFont typeface="Wingdings" pitchFamily="2" charset="2"/>
               <a:buChar char="u"/>
             </a:pPr>
-            <a:endParaRPr lang="en-US" sz="1800" dirty="0">
-              <a:solidFill>
-                <a:srgbClr val="000000"/>
-              </a:solidFill>
-            </a:endParaRPr>
+            <a:r>
+              <a:rPr lang="en-US" sz="1800" dirty="0">
+                <a:solidFill>
+                  <a:srgbClr val="000000"/>
+                </a:solidFill>
+              </a:rPr>
+              <a:t>&gt;&gt; 10.0.2.15   knode1</a:t>
+            </a:r>
+          </a:p>
+          <a:p>
+            <a:pPr marL="342900" indent="-342900" algn="l">
+              <a:buClr>
+                <a:srgbClr val="0070C0"/>
+              </a:buClr>
+              <a:buSzPct val="80000"/>
+              <a:buFont typeface="Wingdings" pitchFamily="2" charset="2"/>
+              <a:buChar char="u"/>
+            </a:pPr>
+            <a:r>
+              <a:rPr lang="en-US" sz="1800" dirty="0">
+                <a:solidFill>
+                  <a:srgbClr val="000000"/>
+                </a:solidFill>
+              </a:rPr>
+              <a:t>Then, we re-start the machine.</a:t>
+            </a:r>
           </a:p>
         </p:txBody>
       </p:sp>
@@ -7432,7 +7453,7 @@
             <a:fld id="{A4F910E6-8D00-4BAF-8C48-9688E0B449D3}" type="datetime1">
               <a:rPr lang="zh-TW" altLang="en-US" smtClean="0"/>
               <a:pPr/>
-              <a:t>2022/11/19</a:t>
+              <a:t>2022/11/20</a:t>
             </a:fld>
             <a:endParaRPr lang="zh-TW" altLang="en-US"/>
           </a:p>
@@ -7551,10 +7572,10 @@
       </p:sp>
       <p:pic>
         <p:nvPicPr>
-          <p:cNvPr id="14" name="Picture 13">
+          <p:cNvPr id="10" name="Picture 9">
             <a:extLst>
               <a:ext uri="{FF2B5EF4-FFF2-40B4-BE49-F238E27FC236}">
-                <a16:creationId xmlns:a16="http://schemas.microsoft.com/office/drawing/2014/main" id="{BA303399-FCDA-6320-31EE-58118BD821EE}"/>
+                <a16:creationId xmlns:a16="http://schemas.microsoft.com/office/drawing/2014/main" id="{D4212007-37FC-1318-9441-988B21F10D09}"/>
               </a:ext>
             </a:extLst>
           </p:cNvPr>
@@ -7571,8 +7592,8 @@
         </p:blipFill>
         <p:spPr>
           <a:xfrm>
-            <a:off x="2987824" y="1337327"/>
-            <a:ext cx="5229225" cy="2428875"/>
+            <a:off x="4199396" y="156539"/>
+            <a:ext cx="3533775" cy="1524000"/>
           </a:xfrm>
           <a:prstGeom prst="rect">
             <a:avLst/>
@@ -7586,10 +7607,10 @@
       </p:pic>
       <p:sp>
         <p:nvSpPr>
-          <p:cNvPr id="12" name="Rectangle 11">
+          <p:cNvPr id="16" name="Rectangle 15">
             <a:extLst>
               <a:ext uri="{FF2B5EF4-FFF2-40B4-BE49-F238E27FC236}">
-                <a16:creationId xmlns:a16="http://schemas.microsoft.com/office/drawing/2014/main" id="{126BD519-9DEB-1162-7C28-4862F111EFB0}"/>
+                <a16:creationId xmlns:a16="http://schemas.microsoft.com/office/drawing/2014/main" id="{185D4692-692B-E372-74B4-19909E9B3394}"/>
               </a:ext>
             </a:extLst>
           </p:cNvPr>
@@ -7598,8 +7619,138 @@
         </p:nvSpPr>
         <p:spPr>
           <a:xfrm>
-            <a:off x="3080938" y="2155301"/>
-            <a:ext cx="2787208" cy="529034"/>
+            <a:off x="611560" y="2321848"/>
+            <a:ext cx="2467038" cy="1323176"/>
+          </a:xfrm>
+          <a:prstGeom prst="rect">
+            <a:avLst/>
+          </a:prstGeom>
+          <a:noFill/>
+          <a:ln>
+            <a:solidFill>
+              <a:srgbClr val="C00000"/>
+            </a:solidFill>
+          </a:ln>
+        </p:spPr>
+        <p:style>
+          <a:lnRef idx="2">
+            <a:schemeClr val="accent1">
+              <a:shade val="50000"/>
+            </a:schemeClr>
+          </a:lnRef>
+          <a:fillRef idx="1">
+            <a:schemeClr val="accent1"/>
+          </a:fillRef>
+          <a:effectRef idx="0">
+            <a:schemeClr val="accent1"/>
+          </a:effectRef>
+          <a:fontRef idx="minor">
+            <a:schemeClr val="lt1"/>
+          </a:fontRef>
+        </p:style>
+        <p:txBody>
+          <a:bodyPr rtlCol="0" anchor="ctr"/>
+          <a:lstStyle/>
+          <a:p>
+            <a:pPr algn="ctr"/>
+            <a:endParaRPr lang="en-US"/>
+          </a:p>
+        </p:txBody>
+      </p:sp>
+      <p:cxnSp>
+        <p:nvCxnSpPr>
+          <p:cNvPr id="18" name="Straight Arrow Connector 17">
+            <a:extLst>
+              <a:ext uri="{FF2B5EF4-FFF2-40B4-BE49-F238E27FC236}">
+                <a16:creationId xmlns:a16="http://schemas.microsoft.com/office/drawing/2014/main" id="{00F3CCDB-82A4-7446-CE8D-14F8BE14E515}"/>
+              </a:ext>
+            </a:extLst>
+          </p:cNvPr>
+          <p:cNvCxnSpPr>
+            <a:cxnSpLocks/>
+            <a:stCxn id="16" idx="3"/>
+            <a:endCxn id="15" idx="1"/>
+          </p:cNvCxnSpPr>
+          <p:nvPr/>
+        </p:nvCxnSpPr>
+        <p:spPr>
+          <a:xfrm flipV="1">
+            <a:off x="3078598" y="2738166"/>
+            <a:ext cx="959769" cy="245270"/>
+          </a:xfrm>
+          <a:prstGeom prst="straightConnector1">
+            <a:avLst/>
+          </a:prstGeom>
+          <a:ln>
+            <a:tailEnd type="triangle"/>
+          </a:ln>
+        </p:spPr>
+        <p:style>
+          <a:lnRef idx="1">
+            <a:schemeClr val="accent2"/>
+          </a:lnRef>
+          <a:fillRef idx="0">
+            <a:schemeClr val="accent2"/>
+          </a:fillRef>
+          <a:effectRef idx="0">
+            <a:schemeClr val="accent2"/>
+          </a:effectRef>
+          <a:fontRef idx="minor">
+            <a:schemeClr val="tx1"/>
+          </a:fontRef>
+        </p:style>
+      </p:cxnSp>
+      <p:pic>
+        <p:nvPicPr>
+          <p:cNvPr id="8" name="Picture 7">
+            <a:extLst>
+              <a:ext uri="{FF2B5EF4-FFF2-40B4-BE49-F238E27FC236}">
+                <a16:creationId xmlns:a16="http://schemas.microsoft.com/office/drawing/2014/main" id="{7C9E0081-6D95-6CCE-12B4-4A88D4878CDF}"/>
+              </a:ext>
+            </a:extLst>
+          </p:cNvPr>
+          <p:cNvPicPr>
+            <a:picLocks noChangeAspect="1"/>
+          </p:cNvPicPr>
+          <p:nvPr/>
+        </p:nvPicPr>
+        <p:blipFill>
+          <a:blip r:embed="rId4"/>
+          <a:stretch>
+            <a:fillRect/>
+          </a:stretch>
+        </p:blipFill>
+        <p:spPr>
+          <a:xfrm>
+            <a:off x="4038367" y="1900205"/>
+            <a:ext cx="3718198" cy="1977469"/>
+          </a:xfrm>
+          <a:prstGeom prst="rect">
+            <a:avLst/>
+          </a:prstGeom>
+          <a:ln>
+            <a:solidFill>
+              <a:srgbClr val="C00000"/>
+            </a:solidFill>
+          </a:ln>
+        </p:spPr>
+      </p:pic>
+      <p:sp>
+        <p:nvSpPr>
+          <p:cNvPr id="15" name="Rectangle 14">
+            <a:extLst>
+              <a:ext uri="{FF2B5EF4-FFF2-40B4-BE49-F238E27FC236}">
+                <a16:creationId xmlns:a16="http://schemas.microsoft.com/office/drawing/2014/main" id="{B606E8C4-9078-7EF8-3107-12846EBE1149}"/>
+              </a:ext>
+            </a:extLst>
+          </p:cNvPr>
+          <p:cNvSpPr/>
+          <p:nvPr/>
+        </p:nvSpPr>
+        <p:spPr>
+          <a:xfrm>
+            <a:off x="4038367" y="2492895"/>
+            <a:ext cx="1685761" cy="490541"/>
           </a:xfrm>
           <a:prstGeom prst="rect">
             <a:avLst/>
@@ -8013,7 +8164,7 @@
             <a:fld id="{A4F910E6-8D00-4BAF-8C48-9688E0B449D3}" type="datetime1">
               <a:rPr lang="zh-TW" altLang="en-US" smtClean="0"/>
               <a:pPr/>
-              <a:t>2022/11/19</a:t>
+              <a:t>2022/11/20</a:t>
             </a:fld>
             <a:endParaRPr lang="zh-TW" altLang="en-US"/>
           </a:p>
@@ -8629,7 +8780,7 @@
             <a:fld id="{A4F910E6-8D00-4BAF-8C48-9688E0B449D3}" type="datetime1">
               <a:rPr lang="zh-TW" altLang="en-US" smtClean="0"/>
               <a:pPr/>
-              <a:t>2022/11/19</a:t>
+              <a:t>2022/11/20</a:t>
             </a:fld>
             <a:endParaRPr lang="zh-TW" altLang="en-US"/>
           </a:p>
@@ -9315,7 +9466,7 @@
             <a:fld id="{A4F910E6-8D00-4BAF-8C48-9688E0B449D3}" type="datetime1">
               <a:rPr lang="zh-TW" altLang="en-US" smtClean="0"/>
               <a:pPr/>
-              <a:t>2022/11/19</a:t>
+              <a:t>2022/11/20</a:t>
             </a:fld>
             <a:endParaRPr lang="zh-TW" altLang="en-US"/>
           </a:p>
@@ -9813,7 +9964,7 @@
             <a:fld id="{C389EDC9-19E3-47AC-9C57-C6A24DEA81AD}" type="datetime1">
               <a:rPr lang="zh-TW" altLang="en-US" smtClean="0"/>
               <a:pPr/>
-              <a:t>2022/11/19</a:t>
+              <a:t>2022/11/20</a:t>
             </a:fld>
             <a:endParaRPr lang="zh-TW" altLang="en-US"/>
           </a:p>
@@ -10108,7 +10259,7 @@
             <a:fld id="{A4F910E6-8D00-4BAF-8C48-9688E0B449D3}" type="datetime1">
               <a:rPr lang="zh-TW" altLang="en-US" smtClean="0"/>
               <a:pPr/>
-              <a:t>2022/11/19</a:t>
+              <a:t>2022/11/20</a:t>
             </a:fld>
             <a:endParaRPr lang="zh-TW" altLang="en-US"/>
           </a:p>
@@ -10824,7 +10975,7 @@
             <a:fld id="{A4F910E6-8D00-4BAF-8C48-9688E0B449D3}" type="datetime1">
               <a:rPr lang="zh-TW" altLang="en-US" smtClean="0"/>
               <a:pPr/>
-              <a:t>2022/11/19</a:t>
+              <a:t>2022/11/20</a:t>
             </a:fld>
             <a:endParaRPr lang="zh-TW" altLang="en-US"/>
           </a:p>
@@ -11363,7 +11514,7 @@
             <a:fld id="{A4F910E6-8D00-4BAF-8C48-9688E0B449D3}" type="datetime1">
               <a:rPr lang="zh-TW" altLang="en-US" smtClean="0"/>
               <a:pPr/>
-              <a:t>2022/11/19</a:t>
+              <a:t>2022/11/20</a:t>
             </a:fld>
             <a:endParaRPr lang="zh-TW" altLang="en-US"/>
           </a:p>
@@ -11811,7 +11962,7 @@
             <a:fld id="{A4F910E6-8D00-4BAF-8C48-9688E0B449D3}" type="datetime1">
               <a:rPr lang="zh-TW" altLang="en-US" smtClean="0"/>
               <a:pPr/>
-              <a:t>2022/11/19</a:t>
+              <a:t>2022/11/20</a:t>
             </a:fld>
             <a:endParaRPr lang="zh-TW" altLang="en-US"/>
           </a:p>
@@ -12199,7 +12350,7 @@
             <a:fld id="{C389EDC9-19E3-47AC-9C57-C6A24DEA81AD}" type="datetime1">
               <a:rPr lang="zh-TW" altLang="en-US" smtClean="0"/>
               <a:pPr/>
-              <a:t>2022/11/19</a:t>
+              <a:t>2022/11/20</a:t>
             </a:fld>
             <a:endParaRPr lang="zh-TW" altLang="en-US"/>
           </a:p>
@@ -12494,7 +12645,7 @@
             <a:fld id="{A4F910E6-8D00-4BAF-8C48-9688E0B449D3}" type="datetime1">
               <a:rPr lang="zh-TW" altLang="en-US" smtClean="0"/>
               <a:pPr/>
-              <a:t>2022/11/19</a:t>
+              <a:t>2022/11/20</a:t>
             </a:fld>
             <a:endParaRPr lang="zh-TW" altLang="en-US"/>
           </a:p>
@@ -13367,7 +13518,7 @@
             <a:fld id="{A4F910E6-8D00-4BAF-8C48-9688E0B449D3}" type="datetime1">
               <a:rPr lang="zh-TW" altLang="en-US" smtClean="0"/>
               <a:pPr/>
-              <a:t>2022/11/19</a:t>
+              <a:t>2022/11/20</a:t>
             </a:fld>
             <a:endParaRPr lang="zh-TW" altLang="en-US"/>
           </a:p>
@@ -13935,7 +14086,7 @@
             <a:fld id="{A4F910E6-8D00-4BAF-8C48-9688E0B449D3}" type="datetime1">
               <a:rPr lang="zh-TW" altLang="en-US" smtClean="0"/>
               <a:pPr/>
-              <a:t>2022/11/19</a:t>
+              <a:t>2022/11/20</a:t>
             </a:fld>
             <a:endParaRPr lang="zh-TW" altLang="en-US"/>
           </a:p>
@@ -14481,7 +14632,7 @@
             <a:fld id="{A4F910E6-8D00-4BAF-8C48-9688E0B449D3}" type="datetime1">
               <a:rPr lang="zh-TW" altLang="en-US" smtClean="0"/>
               <a:pPr/>
-              <a:t>2022/11/19</a:t>
+              <a:t>2022/11/20</a:t>
             </a:fld>
             <a:endParaRPr lang="zh-TW" altLang="en-US"/>
           </a:p>
@@ -14992,7 +15143,7 @@
             <a:fld id="{A4F910E6-8D00-4BAF-8C48-9688E0B449D3}" type="datetime1">
               <a:rPr lang="zh-TW" altLang="en-US" smtClean="0"/>
               <a:pPr/>
-              <a:t>2022/11/19</a:t>
+              <a:t>2022/11/20</a:t>
             </a:fld>
             <a:endParaRPr lang="zh-TW" altLang="en-US"/>
           </a:p>
@@ -15667,7 +15818,7 @@
             <a:fld id="{A4F910E6-8D00-4BAF-8C48-9688E0B449D3}" type="datetime1">
               <a:rPr lang="zh-TW" altLang="en-US" smtClean="0"/>
               <a:pPr/>
-              <a:t>2022/11/19</a:t>
+              <a:t>2022/11/20</a:t>
             </a:fld>
             <a:endParaRPr lang="zh-TW" altLang="en-US"/>
           </a:p>
@@ -15809,7 +15960,7 @@
             <a:fld id="{4E46BE27-E923-4EC2-B046-3272AE2A3E5C}" type="datetime1">
               <a:rPr lang="zh-TW" altLang="en-US" smtClean="0"/>
               <a:pPr/>
-              <a:t>2022/11/19</a:t>
+              <a:t>2022/11/20</a:t>
             </a:fld>
             <a:endParaRPr lang="zh-TW" altLang="en-US"/>
           </a:p>
@@ -15923,7 +16074,7 @@
             <a:fld id="{C389EDC9-19E3-47AC-9C57-C6A24DEA81AD}" type="datetime1">
               <a:rPr lang="zh-TW" altLang="en-US" smtClean="0"/>
               <a:pPr/>
-              <a:t>2022/11/19</a:t>
+              <a:t>2022/11/20</a:t>
             </a:fld>
             <a:endParaRPr lang="zh-TW" altLang="en-US"/>
           </a:p>
@@ -16218,7 +16369,7 @@
             <a:fld id="{A4F910E6-8D00-4BAF-8C48-9688E0B449D3}" type="datetime1">
               <a:rPr lang="zh-TW" altLang="en-US" smtClean="0"/>
               <a:pPr/>
-              <a:t>2022/11/19</a:t>
+              <a:t>2022/11/20</a:t>
             </a:fld>
             <a:endParaRPr lang="zh-TW" altLang="en-US"/>
           </a:p>
@@ -16958,7 +17109,7 @@
             <a:fld id="{A4F910E6-8D00-4BAF-8C48-9688E0B449D3}" type="datetime1">
               <a:rPr lang="zh-TW" altLang="en-US" smtClean="0"/>
               <a:pPr/>
-              <a:t>2022/11/19</a:t>
+              <a:t>2022/11/20</a:t>
             </a:fld>
             <a:endParaRPr lang="zh-TW" altLang="en-US"/>
           </a:p>
@@ -17199,7 +17350,7 @@
             <a:fld id="{C389EDC9-19E3-47AC-9C57-C6A24DEA81AD}" type="datetime1">
               <a:rPr lang="zh-TW" altLang="en-US" smtClean="0"/>
               <a:pPr/>
-              <a:t>2022/11/19</a:t>
+              <a:t>2022/11/20</a:t>
             </a:fld>
             <a:endParaRPr lang="zh-TW" altLang="en-US"/>
           </a:p>
@@ -17494,7 +17645,7 @@
             <a:fld id="{A4F910E6-8D00-4BAF-8C48-9688E0B449D3}" type="datetime1">
               <a:rPr lang="zh-TW" altLang="en-US" smtClean="0"/>
               <a:pPr/>
-              <a:t>2022/11/19</a:t>
+              <a:t>2022/11/20</a:t>
             </a:fld>
             <a:endParaRPr lang="zh-TW" altLang="en-US"/>
           </a:p>
@@ -18312,7 +18463,7 @@
             <a:fld id="{A4F910E6-8D00-4BAF-8C48-9688E0B449D3}" type="datetime1">
               <a:rPr lang="zh-TW" altLang="en-US" smtClean="0"/>
               <a:pPr/>
-              <a:t>2022/11/19</a:t>
+              <a:t>2022/11/20</a:t>
             </a:fld>
             <a:endParaRPr lang="zh-TW" altLang="en-US"/>
           </a:p>
